--- a/C#/C#.NET.pptx
+++ b/C#/C#.NET.pptx
@@ -5,10 +5,10 @@
     <p:sldMasterId id="2147483660" r:id="rId1"/>
   </p:sldMasterIdLst>
   <p:notesMasterIdLst>
-    <p:notesMasterId r:id="rId14"/>
+    <p:notesMasterId r:id="rId26"/>
   </p:notesMasterIdLst>
   <p:handoutMasterIdLst>
-    <p:handoutMasterId r:id="rId15"/>
+    <p:handoutMasterId r:id="rId27"/>
   </p:handoutMasterIdLst>
   <p:sldIdLst>
     <p:sldId id="256" r:id="rId2"/>
@@ -22,7 +22,19 @@
     <p:sldId id="267" r:id="rId10"/>
     <p:sldId id="268" r:id="rId11"/>
     <p:sldId id="269" r:id="rId12"/>
-    <p:sldId id="270" r:id="rId13"/>
+    <p:sldId id="271" r:id="rId13"/>
+    <p:sldId id="270" r:id="rId14"/>
+    <p:sldId id="272" r:id="rId15"/>
+    <p:sldId id="273" r:id="rId16"/>
+    <p:sldId id="274" r:id="rId17"/>
+    <p:sldId id="275" r:id="rId18"/>
+    <p:sldId id="277" r:id="rId19"/>
+    <p:sldId id="283" r:id="rId20"/>
+    <p:sldId id="278" r:id="rId21"/>
+    <p:sldId id="279" r:id="rId22"/>
+    <p:sldId id="280" r:id="rId23"/>
+    <p:sldId id="281" r:id="rId24"/>
+    <p:sldId id="282" r:id="rId25"/>
   </p:sldIdLst>
   <p:sldSz cx="12192000" cy="6858000"/>
   <p:notesSz cx="6858000" cy="9144000"/>
@@ -223,7 +235,7 @@
           <a:p>
             <a:fld id="{74C2C69A-C2A6-40A1-A45D-29B73E0D788A}" type="datetimeFigureOut">
               <a:rPr lang="en-US" smtClean="0"/>
-              <a:t>11/6/2024</a:t>
+              <a:t>11/7/2024</a:t>
             </a:fld>
             <a:endParaRPr lang="en-US"/>
           </a:p>
@@ -401,7 +413,7 @@
           <a:p>
             <a:fld id="{CEBB042C-DBF3-40A6-A413-5A681CD6D80B}" type="datetimeFigureOut">
               <a:rPr lang="en-US" smtClean="0"/>
-              <a:t>11/6/2024</a:t>
+              <a:t>11/7/2024</a:t>
             </a:fld>
             <a:endParaRPr lang="en-US"/>
           </a:p>
@@ -1391,7 +1403,7 @@
           <a:p>
             <a:fld id="{4C8739AB-0F33-4FF9-B834-4DE708454929}" type="datetime1">
               <a:rPr lang="en-US" smtClean="0"/>
-              <a:t>11/6/2024</a:t>
+              <a:t>11/7/2024</a:t>
             </a:fld>
             <a:endParaRPr lang="en-US"/>
           </a:p>
@@ -1642,7 +1654,7 @@
           <a:p>
             <a:fld id="{5C8B8D53-FA2F-4A60-9ADA-E81430017CF0}" type="datetime1">
               <a:rPr lang="en-US" smtClean="0"/>
-              <a:t>11/6/2024</a:t>
+              <a:t>11/7/2024</a:t>
             </a:fld>
             <a:endParaRPr lang="en-US"/>
           </a:p>
@@ -1956,7 +1968,7 @@
           <a:p>
             <a:fld id="{81AD48D4-B183-47C0-A3A3-DD4B0026519F}" type="datetime1">
               <a:rPr lang="en-US" smtClean="0"/>
-              <a:t>11/6/2024</a:t>
+              <a:t>11/7/2024</a:t>
             </a:fld>
             <a:endParaRPr lang="en-US"/>
           </a:p>
@@ -2297,7 +2309,7 @@
           <a:p>
             <a:fld id="{604A0CB4-545C-44A1-B757-D92324B2B76F}" type="datetime1">
               <a:rPr lang="en-US" smtClean="0"/>
-              <a:t>11/6/2024</a:t>
+              <a:t>11/7/2024</a:t>
             </a:fld>
             <a:endParaRPr lang="en-US"/>
           </a:p>
@@ -2611,7 +2623,7 @@
           <a:p>
             <a:fld id="{4DBB63C1-E999-472C-92E5-250BEEA1010F}" type="datetime1">
               <a:rPr lang="en-US" smtClean="0"/>
-              <a:t>11/6/2024</a:t>
+              <a:t>11/7/2024</a:t>
             </a:fld>
             <a:endParaRPr lang="en-US"/>
           </a:p>
@@ -3004,7 +3016,7 @@
           <a:p>
             <a:fld id="{46726112-FAA1-4E28-B470-2D72DD41AA84}" type="datetime1">
               <a:rPr lang="en-US" smtClean="0"/>
-              <a:t>11/6/2024</a:t>
+              <a:t>11/7/2024</a:t>
             </a:fld>
             <a:endParaRPr lang="en-US"/>
           </a:p>
@@ -3174,7 +3186,7 @@
           <a:p>
             <a:fld id="{893657BD-ABC4-48EA-ADF2-5342557997CA}" type="datetime1">
               <a:rPr lang="en-US" smtClean="0"/>
-              <a:t>11/6/2024</a:t>
+              <a:t>11/7/2024</a:t>
             </a:fld>
             <a:endParaRPr lang="en-US"/>
           </a:p>
@@ -3354,7 +3366,7 @@
           <a:p>
             <a:fld id="{06F88D94-5DD3-4BF9-B49B-A2614EBD195A}" type="datetime1">
               <a:rPr lang="en-US" smtClean="0"/>
-              <a:t>11/6/2024</a:t>
+              <a:t>11/7/2024</a:t>
             </a:fld>
             <a:endParaRPr lang="en-US"/>
           </a:p>
@@ -3530,7 +3542,7 @@
           <a:p>
             <a:fld id="{429E01E4-FDE9-4906-BA26-09CA892E3450}" type="datetime1">
               <a:rPr lang="en-US" smtClean="0"/>
-              <a:t>11/6/2024</a:t>
+              <a:t>11/7/2024</a:t>
             </a:fld>
             <a:endParaRPr lang="en-US"/>
           </a:p>
@@ -3777,7 +3789,7 @@
           <a:p>
             <a:fld id="{6DD4F8DD-B8DE-422A-8F1E-A786EA17E40D}" type="datetime1">
               <a:rPr lang="en-US" smtClean="0"/>
-              <a:t>11/6/2024</a:t>
+              <a:t>11/7/2024</a:t>
             </a:fld>
             <a:endParaRPr lang="en-US"/>
           </a:p>
@@ -4009,7 +4021,7 @@
           <a:p>
             <a:fld id="{A15DFF26-301B-4C88-A7EC-0BA0F0531B9D}" type="datetime1">
               <a:rPr lang="en-US" smtClean="0"/>
-              <a:t>11/6/2024</a:t>
+              <a:t>11/7/2024</a:t>
             </a:fld>
             <a:endParaRPr lang="en-US"/>
           </a:p>
@@ -4383,7 +4395,7 @@
           <a:p>
             <a:fld id="{D32A90B4-D234-4C39-8BE2-D27269FF7FE8}" type="datetime1">
               <a:rPr lang="en-US" smtClean="0"/>
-              <a:t>11/6/2024</a:t>
+              <a:t>11/7/2024</a:t>
             </a:fld>
             <a:endParaRPr lang="en-US"/>
           </a:p>
@@ -4506,7 +4518,7 @@
           <a:p>
             <a:fld id="{F86726D0-36CC-4B10-9F60-C20EC3007EE8}" type="datetime1">
               <a:rPr lang="en-US" smtClean="0"/>
-              <a:t>11/6/2024</a:t>
+              <a:t>11/7/2024</a:t>
             </a:fld>
             <a:endParaRPr lang="en-US"/>
           </a:p>
@@ -4601,7 +4613,7 @@
           <a:p>
             <a:fld id="{1C4F9C17-194C-4911-8511-F2CED1B26F9C}" type="datetime1">
               <a:rPr lang="en-US" smtClean="0"/>
-              <a:t>11/6/2024</a:t>
+              <a:t>11/7/2024</a:t>
             </a:fld>
             <a:endParaRPr lang="en-US"/>
           </a:p>
@@ -4856,7 +4868,7 @@
           <a:p>
             <a:fld id="{751869EC-7BC9-4E49-B32E-AE2B3D759C2A}" type="datetime1">
               <a:rPr lang="en-US" smtClean="0"/>
-              <a:t>11/6/2024</a:t>
+              <a:t>11/7/2024</a:t>
             </a:fld>
             <a:endParaRPr lang="en-US"/>
           </a:p>
@@ -5119,7 +5131,7 @@
           <a:p>
             <a:fld id="{1BC8B382-19C4-4BD6-A81D-C03150217153}" type="datetime1">
               <a:rPr lang="en-US" smtClean="0"/>
-              <a:t>11/6/2024</a:t>
+              <a:t>11/7/2024</a:t>
             </a:fld>
             <a:endParaRPr lang="en-US"/>
           </a:p>
@@ -5862,7 +5874,7 @@
           <a:p>
             <a:fld id="{E966F022-BB9E-4033-A1DB-932894737B9B}" type="datetime1">
               <a:rPr lang="en-US" smtClean="0"/>
-              <a:t>11/6/2024</a:t>
+              <a:t>11/7/2024</a:t>
             </a:fld>
             <a:endParaRPr lang="en-US"/>
           </a:p>
@@ -6822,10 +6834,821 @@
           </a:p>
         </p:txBody>
       </p:sp>
+      <p:sp>
+        <p:nvSpPr>
+          <p:cNvPr id="3" name="TextBox 2">
+            <a:extLst>
+              <a:ext uri="{FF2B5EF4-FFF2-40B4-BE49-F238E27FC236}">
+                <a16:creationId xmlns:a16="http://schemas.microsoft.com/office/drawing/2014/main" id="{E8AD8884-2880-41E1-9F49-DC4211B0264E}"/>
+              </a:ext>
+            </a:extLst>
+          </p:cNvPr>
+          <p:cNvSpPr txBox="1"/>
+          <p:nvPr/>
+        </p:nvSpPr>
+        <p:spPr>
+          <a:xfrm>
+            <a:off x="3076575" y="2154674"/>
+            <a:ext cx="5295900" cy="2339102"/>
+          </a:xfrm>
+          <a:prstGeom prst="rect">
+            <a:avLst/>
+          </a:prstGeom>
+          <a:noFill/>
+        </p:spPr>
+        <p:txBody>
+          <a:bodyPr wrap="square" rtlCol="0">
+            <a:spAutoFit/>
+          </a:bodyPr>
+          <a:lstStyle/>
+          <a:p>
+            <a:pPr algn="ctr"/>
+            <a:r>
+              <a:rPr lang="en-US" sz="6600" dirty="0">
+                <a:solidFill>
+                  <a:srgbClr val="00B050"/>
+                </a:solidFill>
+              </a:rPr>
+              <a:t>Example 2</a:t>
+            </a:r>
+          </a:p>
+          <a:p>
+            <a:pPr algn="ctr"/>
+            <a:r>
+              <a:rPr lang="en-US" sz="4000" dirty="0">
+                <a:solidFill>
+                  <a:srgbClr val="0070C0"/>
+                </a:solidFill>
+              </a:rPr>
+              <a:t>Dynamic Class and Inheritance</a:t>
+            </a:r>
+          </a:p>
+        </p:txBody>
+      </p:sp>
+    </p:spTree>
+    <p:extLst>
+      <p:ext uri="{BB962C8B-B14F-4D97-AF65-F5344CB8AC3E}">
+        <p14:creationId xmlns:p14="http://schemas.microsoft.com/office/powerpoint/2010/main" val="2728560228"/>
+      </p:ext>
+    </p:extLst>
+  </p:cSld>
+  <p:clrMapOvr>
+    <a:masterClrMapping/>
+  </p:clrMapOvr>
+</p:sld>
+</file>
+
+<file path=ppt/slides/slide13.xml><?xml version="1.0" encoding="utf-8"?>
+<p:sld xmlns:a="http://schemas.openxmlformats.org/drawingml/2006/main" xmlns:r="http://schemas.openxmlformats.org/officeDocument/2006/relationships" xmlns:p="http://schemas.openxmlformats.org/presentationml/2006/main">
+  <p:cSld>
+    <p:spTree>
+      <p:nvGrpSpPr>
+        <p:cNvPr id="1" name=""/>
+        <p:cNvGrpSpPr/>
+        <p:nvPr/>
+      </p:nvGrpSpPr>
+      <p:grpSpPr>
+        <a:xfrm>
+          <a:off x="0" y="0"/>
+          <a:ext cx="0" cy="0"/>
+          <a:chOff x="0" y="0"/>
+          <a:chExt cx="0" cy="0"/>
+        </a:xfrm>
+      </p:grpSpPr>
+      <p:sp>
+        <p:nvSpPr>
+          <p:cNvPr id="2" name="Slide Number Placeholder 1">
+            <a:extLst>
+              <a:ext uri="{FF2B5EF4-FFF2-40B4-BE49-F238E27FC236}">
+                <a16:creationId xmlns:a16="http://schemas.microsoft.com/office/drawing/2014/main" id="{39050F81-8EE9-4732-8467-A18174672B6E}"/>
+              </a:ext>
+            </a:extLst>
+          </p:cNvPr>
+          <p:cNvSpPr>
+            <a:spLocks noGrp="1"/>
+          </p:cNvSpPr>
+          <p:nvPr>
+            <p:ph type="sldNum" sz="quarter" idx="12"/>
+          </p:nvPr>
+        </p:nvSpPr>
+        <p:spPr/>
+        <p:txBody>
+          <a:bodyPr/>
+          <a:lstStyle/>
+          <a:p>
+            <a:fld id="{C6E4CA17-79F9-47F8-8D56-9B2653102869}" type="slidenum">
+              <a:rPr lang="en-US" smtClean="0"/>
+              <a:t>13</a:t>
+            </a:fld>
+            <a:endParaRPr lang="en-US"/>
+          </a:p>
+        </p:txBody>
+      </p:sp>
+      <p:pic>
+        <p:nvPicPr>
+          <p:cNvPr id="4" name="Picture 3">
+            <a:extLst>
+              <a:ext uri="{FF2B5EF4-FFF2-40B4-BE49-F238E27FC236}">
+                <a16:creationId xmlns:a16="http://schemas.microsoft.com/office/drawing/2014/main" id="{3C50BE65-C9DA-4CFD-A7B6-0950BB453628}"/>
+              </a:ext>
+            </a:extLst>
+          </p:cNvPr>
+          <p:cNvPicPr>
+            <a:picLocks noChangeAspect="1"/>
+          </p:cNvPicPr>
+          <p:nvPr/>
+        </p:nvPicPr>
+        <p:blipFill>
+          <a:blip r:embed="rId2"/>
+          <a:stretch>
+            <a:fillRect/>
+          </a:stretch>
+        </p:blipFill>
+        <p:spPr>
+          <a:xfrm>
+            <a:off x="5606023" y="647500"/>
+            <a:ext cx="4519052" cy="4648603"/>
+          </a:xfrm>
+          <a:prstGeom prst="rect">
+            <a:avLst/>
+          </a:prstGeom>
+        </p:spPr>
+      </p:pic>
+      <p:pic>
+        <p:nvPicPr>
+          <p:cNvPr id="6" name="Picture 5">
+            <a:extLst>
+              <a:ext uri="{FF2B5EF4-FFF2-40B4-BE49-F238E27FC236}">
+                <a16:creationId xmlns:a16="http://schemas.microsoft.com/office/drawing/2014/main" id="{B101DDF2-501B-4F16-9DAD-DA587ECACAD6}"/>
+              </a:ext>
+            </a:extLst>
+          </p:cNvPr>
+          <p:cNvPicPr>
+            <a:picLocks noChangeAspect="1"/>
+          </p:cNvPicPr>
+          <p:nvPr/>
+        </p:nvPicPr>
+        <p:blipFill>
+          <a:blip r:embed="rId3"/>
+          <a:stretch>
+            <a:fillRect/>
+          </a:stretch>
+        </p:blipFill>
+        <p:spPr>
+          <a:xfrm>
+            <a:off x="902774" y="647500"/>
+            <a:ext cx="4519052" cy="4610500"/>
+          </a:xfrm>
+          <a:prstGeom prst="rect">
+            <a:avLst/>
+          </a:prstGeom>
+        </p:spPr>
+      </p:pic>
     </p:spTree>
     <p:extLst>
       <p:ext uri="{BB962C8B-B14F-4D97-AF65-F5344CB8AC3E}">
         <p14:creationId xmlns:p14="http://schemas.microsoft.com/office/powerpoint/2010/main" val="3057269241"/>
+      </p:ext>
+    </p:extLst>
+  </p:cSld>
+  <p:clrMapOvr>
+    <a:masterClrMapping/>
+  </p:clrMapOvr>
+</p:sld>
+</file>
+
+<file path=ppt/slides/slide14.xml><?xml version="1.0" encoding="utf-8"?>
+<p:sld xmlns:a="http://schemas.openxmlformats.org/drawingml/2006/main" xmlns:r="http://schemas.openxmlformats.org/officeDocument/2006/relationships" xmlns:p="http://schemas.openxmlformats.org/presentationml/2006/main">
+  <p:cSld>
+    <p:spTree>
+      <p:nvGrpSpPr>
+        <p:cNvPr id="1" name=""/>
+        <p:cNvGrpSpPr/>
+        <p:nvPr/>
+      </p:nvGrpSpPr>
+      <p:grpSpPr>
+        <a:xfrm>
+          <a:off x="0" y="0"/>
+          <a:ext cx="0" cy="0"/>
+          <a:chOff x="0" y="0"/>
+          <a:chExt cx="0" cy="0"/>
+        </a:xfrm>
+      </p:grpSpPr>
+      <p:sp>
+        <p:nvSpPr>
+          <p:cNvPr id="2" name="Slide Number Placeholder 1">
+            <a:extLst>
+              <a:ext uri="{FF2B5EF4-FFF2-40B4-BE49-F238E27FC236}">
+                <a16:creationId xmlns:a16="http://schemas.microsoft.com/office/drawing/2014/main" id="{39050F81-8EE9-4732-8467-A18174672B6E}"/>
+              </a:ext>
+            </a:extLst>
+          </p:cNvPr>
+          <p:cNvSpPr>
+            <a:spLocks noGrp="1"/>
+          </p:cNvSpPr>
+          <p:nvPr>
+            <p:ph type="sldNum" sz="quarter" idx="12"/>
+          </p:nvPr>
+        </p:nvSpPr>
+        <p:spPr/>
+        <p:txBody>
+          <a:bodyPr/>
+          <a:lstStyle/>
+          <a:p>
+            <a:fld id="{C6E4CA17-79F9-47F8-8D56-9B2653102869}" type="slidenum">
+              <a:rPr lang="en-US" smtClean="0"/>
+              <a:t>14</a:t>
+            </a:fld>
+            <a:endParaRPr lang="en-US"/>
+          </a:p>
+        </p:txBody>
+      </p:sp>
+      <p:pic>
+        <p:nvPicPr>
+          <p:cNvPr id="5" name="Picture 4">
+            <a:extLst>
+              <a:ext uri="{FF2B5EF4-FFF2-40B4-BE49-F238E27FC236}">
+                <a16:creationId xmlns:a16="http://schemas.microsoft.com/office/drawing/2014/main" id="{FBB92C1B-E748-49D0-9164-545DEC71B9A7}"/>
+              </a:ext>
+            </a:extLst>
+          </p:cNvPr>
+          <p:cNvPicPr>
+            <a:picLocks noChangeAspect="1"/>
+          </p:cNvPicPr>
+          <p:nvPr/>
+        </p:nvPicPr>
+        <p:blipFill>
+          <a:blip r:embed="rId2"/>
+          <a:stretch>
+            <a:fillRect/>
+          </a:stretch>
+        </p:blipFill>
+        <p:spPr>
+          <a:xfrm>
+            <a:off x="1152335" y="582716"/>
+            <a:ext cx="4381880" cy="4930567"/>
+          </a:xfrm>
+          <a:prstGeom prst="rect">
+            <a:avLst/>
+          </a:prstGeom>
+        </p:spPr>
+      </p:pic>
+      <p:pic>
+        <p:nvPicPr>
+          <p:cNvPr id="7" name="Picture 6">
+            <a:extLst>
+              <a:ext uri="{FF2B5EF4-FFF2-40B4-BE49-F238E27FC236}">
+                <a16:creationId xmlns:a16="http://schemas.microsoft.com/office/drawing/2014/main" id="{976838FA-6B00-4347-9340-EE2B60D70CC1}"/>
+              </a:ext>
+            </a:extLst>
+          </p:cNvPr>
+          <p:cNvPicPr>
+            <a:picLocks noChangeAspect="1"/>
+          </p:cNvPicPr>
+          <p:nvPr/>
+        </p:nvPicPr>
+        <p:blipFill>
+          <a:blip r:embed="rId3"/>
+          <a:stretch>
+            <a:fillRect/>
+          </a:stretch>
+        </p:blipFill>
+        <p:spPr>
+          <a:xfrm>
+            <a:off x="5553265" y="451513"/>
+            <a:ext cx="3589331" cy="5265876"/>
+          </a:xfrm>
+          <a:prstGeom prst="rect">
+            <a:avLst/>
+          </a:prstGeom>
+        </p:spPr>
+      </p:pic>
+    </p:spTree>
+    <p:extLst>
+      <p:ext uri="{BB962C8B-B14F-4D97-AF65-F5344CB8AC3E}">
+        <p14:creationId xmlns:p14="http://schemas.microsoft.com/office/powerpoint/2010/main" val="1620351197"/>
+      </p:ext>
+    </p:extLst>
+  </p:cSld>
+  <p:clrMapOvr>
+    <a:masterClrMapping/>
+  </p:clrMapOvr>
+</p:sld>
+</file>
+
+<file path=ppt/slides/slide15.xml><?xml version="1.0" encoding="utf-8"?>
+<p:sld xmlns:a="http://schemas.openxmlformats.org/drawingml/2006/main" xmlns:r="http://schemas.openxmlformats.org/officeDocument/2006/relationships" xmlns:p="http://schemas.openxmlformats.org/presentationml/2006/main">
+  <p:cSld>
+    <p:spTree>
+      <p:nvGrpSpPr>
+        <p:cNvPr id="1" name=""/>
+        <p:cNvGrpSpPr/>
+        <p:nvPr/>
+      </p:nvGrpSpPr>
+      <p:grpSpPr>
+        <a:xfrm>
+          <a:off x="0" y="0"/>
+          <a:ext cx="0" cy="0"/>
+          <a:chOff x="0" y="0"/>
+          <a:chExt cx="0" cy="0"/>
+        </a:xfrm>
+      </p:grpSpPr>
+      <p:sp>
+        <p:nvSpPr>
+          <p:cNvPr id="2" name="Slide Number Placeholder 1">
+            <a:extLst>
+              <a:ext uri="{FF2B5EF4-FFF2-40B4-BE49-F238E27FC236}">
+                <a16:creationId xmlns:a16="http://schemas.microsoft.com/office/drawing/2014/main" id="{39050F81-8EE9-4732-8467-A18174672B6E}"/>
+              </a:ext>
+            </a:extLst>
+          </p:cNvPr>
+          <p:cNvSpPr>
+            <a:spLocks noGrp="1"/>
+          </p:cNvSpPr>
+          <p:nvPr>
+            <p:ph type="sldNum" sz="quarter" idx="12"/>
+          </p:nvPr>
+        </p:nvSpPr>
+        <p:spPr/>
+        <p:txBody>
+          <a:bodyPr/>
+          <a:lstStyle/>
+          <a:p>
+            <a:fld id="{C6E4CA17-79F9-47F8-8D56-9B2653102869}" type="slidenum">
+              <a:rPr lang="en-US" smtClean="0"/>
+              <a:t>15</a:t>
+            </a:fld>
+            <a:endParaRPr lang="en-US"/>
+          </a:p>
+        </p:txBody>
+      </p:sp>
+      <p:pic>
+        <p:nvPicPr>
+          <p:cNvPr id="4" name="Picture 3">
+            <a:extLst>
+              <a:ext uri="{FF2B5EF4-FFF2-40B4-BE49-F238E27FC236}">
+                <a16:creationId xmlns:a16="http://schemas.microsoft.com/office/drawing/2014/main" id="{F2F66141-04FF-4F4D-9A59-D69D088E8E20}"/>
+              </a:ext>
+            </a:extLst>
+          </p:cNvPr>
+          <p:cNvPicPr>
+            <a:picLocks noChangeAspect="1"/>
+          </p:cNvPicPr>
+          <p:nvPr/>
+        </p:nvPicPr>
+        <p:blipFill>
+          <a:blip r:embed="rId2"/>
+          <a:stretch>
+            <a:fillRect/>
+          </a:stretch>
+        </p:blipFill>
+        <p:spPr>
+          <a:xfrm>
+            <a:off x="936626" y="455084"/>
+            <a:ext cx="3962743" cy="5768840"/>
+          </a:xfrm>
+          <a:prstGeom prst="rect">
+            <a:avLst/>
+          </a:prstGeom>
+        </p:spPr>
+      </p:pic>
+    </p:spTree>
+    <p:extLst>
+      <p:ext uri="{BB962C8B-B14F-4D97-AF65-F5344CB8AC3E}">
+        <p14:creationId xmlns:p14="http://schemas.microsoft.com/office/powerpoint/2010/main" val="2760086183"/>
+      </p:ext>
+    </p:extLst>
+  </p:cSld>
+  <p:clrMapOvr>
+    <a:masterClrMapping/>
+  </p:clrMapOvr>
+</p:sld>
+</file>
+
+<file path=ppt/slides/slide16.xml><?xml version="1.0" encoding="utf-8"?>
+<p:sld xmlns:a="http://schemas.openxmlformats.org/drawingml/2006/main" xmlns:r="http://schemas.openxmlformats.org/officeDocument/2006/relationships" xmlns:p="http://schemas.openxmlformats.org/presentationml/2006/main">
+  <p:cSld>
+    <p:spTree>
+      <p:nvGrpSpPr>
+        <p:cNvPr id="1" name=""/>
+        <p:cNvGrpSpPr/>
+        <p:nvPr/>
+      </p:nvGrpSpPr>
+      <p:grpSpPr>
+        <a:xfrm>
+          <a:off x="0" y="0"/>
+          <a:ext cx="0" cy="0"/>
+          <a:chOff x="0" y="0"/>
+          <a:chExt cx="0" cy="0"/>
+        </a:xfrm>
+      </p:grpSpPr>
+      <p:sp>
+        <p:nvSpPr>
+          <p:cNvPr id="2" name="Slide Number Placeholder 1">
+            <a:extLst>
+              <a:ext uri="{FF2B5EF4-FFF2-40B4-BE49-F238E27FC236}">
+                <a16:creationId xmlns:a16="http://schemas.microsoft.com/office/drawing/2014/main" id="{39050F81-8EE9-4732-8467-A18174672B6E}"/>
+              </a:ext>
+            </a:extLst>
+          </p:cNvPr>
+          <p:cNvSpPr>
+            <a:spLocks noGrp="1"/>
+          </p:cNvSpPr>
+          <p:nvPr>
+            <p:ph type="sldNum" sz="quarter" idx="12"/>
+          </p:nvPr>
+        </p:nvSpPr>
+        <p:spPr/>
+        <p:txBody>
+          <a:bodyPr/>
+          <a:lstStyle/>
+          <a:p>
+            <a:fld id="{C6E4CA17-79F9-47F8-8D56-9B2653102869}" type="slidenum">
+              <a:rPr lang="en-US" smtClean="0"/>
+              <a:t>16</a:t>
+            </a:fld>
+            <a:endParaRPr lang="en-US"/>
+          </a:p>
+        </p:txBody>
+      </p:sp>
+      <p:pic>
+        <p:nvPicPr>
+          <p:cNvPr id="4" name="Picture 3">
+            <a:extLst>
+              <a:ext uri="{FF2B5EF4-FFF2-40B4-BE49-F238E27FC236}">
+                <a16:creationId xmlns:a16="http://schemas.microsoft.com/office/drawing/2014/main" id="{5D3C7B91-5805-4CDA-ACF6-3C1D783D1D6C}"/>
+              </a:ext>
+            </a:extLst>
+          </p:cNvPr>
+          <p:cNvPicPr>
+            <a:picLocks noChangeAspect="1"/>
+          </p:cNvPicPr>
+          <p:nvPr/>
+        </p:nvPicPr>
+        <p:blipFill>
+          <a:blip r:embed="rId2"/>
+          <a:stretch>
+            <a:fillRect/>
+          </a:stretch>
+        </p:blipFill>
+        <p:spPr>
+          <a:xfrm>
+            <a:off x="992351" y="601768"/>
+            <a:ext cx="3558848" cy="4892464"/>
+          </a:xfrm>
+          <a:prstGeom prst="rect">
+            <a:avLst/>
+          </a:prstGeom>
+        </p:spPr>
+      </p:pic>
+    </p:spTree>
+    <p:extLst>
+      <p:ext uri="{BB962C8B-B14F-4D97-AF65-F5344CB8AC3E}">
+        <p14:creationId xmlns:p14="http://schemas.microsoft.com/office/powerpoint/2010/main" val="190807604"/>
+      </p:ext>
+    </p:extLst>
+  </p:cSld>
+  <p:clrMapOvr>
+    <a:masterClrMapping/>
+  </p:clrMapOvr>
+</p:sld>
+</file>
+
+<file path=ppt/slides/slide17.xml><?xml version="1.0" encoding="utf-8"?>
+<p:sld xmlns:a="http://schemas.openxmlformats.org/drawingml/2006/main" xmlns:r="http://schemas.openxmlformats.org/officeDocument/2006/relationships" xmlns:p="http://schemas.openxmlformats.org/presentationml/2006/main">
+  <p:cSld>
+    <p:spTree>
+      <p:nvGrpSpPr>
+        <p:cNvPr id="1" name=""/>
+        <p:cNvGrpSpPr/>
+        <p:nvPr/>
+      </p:nvGrpSpPr>
+      <p:grpSpPr>
+        <a:xfrm>
+          <a:off x="0" y="0"/>
+          <a:ext cx="0" cy="0"/>
+          <a:chOff x="0" y="0"/>
+          <a:chExt cx="0" cy="0"/>
+        </a:xfrm>
+      </p:grpSpPr>
+      <p:sp>
+        <p:nvSpPr>
+          <p:cNvPr id="2" name="Slide Number Placeholder 1">
+            <a:extLst>
+              <a:ext uri="{FF2B5EF4-FFF2-40B4-BE49-F238E27FC236}">
+                <a16:creationId xmlns:a16="http://schemas.microsoft.com/office/drawing/2014/main" id="{39050F81-8EE9-4732-8467-A18174672B6E}"/>
+              </a:ext>
+            </a:extLst>
+          </p:cNvPr>
+          <p:cNvSpPr>
+            <a:spLocks noGrp="1"/>
+          </p:cNvSpPr>
+          <p:nvPr>
+            <p:ph type="sldNum" sz="quarter" idx="12"/>
+          </p:nvPr>
+        </p:nvSpPr>
+        <p:spPr/>
+        <p:txBody>
+          <a:bodyPr/>
+          <a:lstStyle/>
+          <a:p>
+            <a:fld id="{C6E4CA17-79F9-47F8-8D56-9B2653102869}" type="slidenum">
+              <a:rPr lang="en-US" smtClean="0"/>
+              <a:t>17</a:t>
+            </a:fld>
+            <a:endParaRPr lang="en-US"/>
+          </a:p>
+        </p:txBody>
+      </p:sp>
+    </p:spTree>
+    <p:extLst>
+      <p:ext uri="{BB962C8B-B14F-4D97-AF65-F5344CB8AC3E}">
+        <p14:creationId xmlns:p14="http://schemas.microsoft.com/office/powerpoint/2010/main" val="761869138"/>
+      </p:ext>
+    </p:extLst>
+  </p:cSld>
+  <p:clrMapOvr>
+    <a:masterClrMapping/>
+  </p:clrMapOvr>
+</p:sld>
+</file>
+
+<file path=ppt/slides/slide18.xml><?xml version="1.0" encoding="utf-8"?>
+<p:sld xmlns:a="http://schemas.openxmlformats.org/drawingml/2006/main" xmlns:r="http://schemas.openxmlformats.org/officeDocument/2006/relationships" xmlns:p="http://schemas.openxmlformats.org/presentationml/2006/main">
+  <p:cSld>
+    <p:spTree>
+      <p:nvGrpSpPr>
+        <p:cNvPr id="1" name=""/>
+        <p:cNvGrpSpPr/>
+        <p:nvPr/>
+      </p:nvGrpSpPr>
+      <p:grpSpPr>
+        <a:xfrm>
+          <a:off x="0" y="0"/>
+          <a:ext cx="0" cy="0"/>
+          <a:chOff x="0" y="0"/>
+          <a:chExt cx="0" cy="0"/>
+        </a:xfrm>
+      </p:grpSpPr>
+      <p:sp>
+        <p:nvSpPr>
+          <p:cNvPr id="2" name="Slide Number Placeholder 1">
+            <a:extLst>
+              <a:ext uri="{FF2B5EF4-FFF2-40B4-BE49-F238E27FC236}">
+                <a16:creationId xmlns:a16="http://schemas.microsoft.com/office/drawing/2014/main" id="{39050F81-8EE9-4732-8467-A18174672B6E}"/>
+              </a:ext>
+            </a:extLst>
+          </p:cNvPr>
+          <p:cNvSpPr>
+            <a:spLocks noGrp="1"/>
+          </p:cNvSpPr>
+          <p:nvPr>
+            <p:ph type="sldNum" sz="quarter" idx="12"/>
+          </p:nvPr>
+        </p:nvSpPr>
+        <p:spPr/>
+        <p:txBody>
+          <a:bodyPr/>
+          <a:lstStyle/>
+          <a:p>
+            <a:fld id="{C6E4CA17-79F9-47F8-8D56-9B2653102869}" type="slidenum">
+              <a:rPr lang="en-US" smtClean="0"/>
+              <a:t>18</a:t>
+            </a:fld>
+            <a:endParaRPr lang="en-US"/>
+          </a:p>
+        </p:txBody>
+      </p:sp>
+      <p:sp>
+        <p:nvSpPr>
+          <p:cNvPr id="3" name="TextBox 2">
+            <a:extLst>
+              <a:ext uri="{FF2B5EF4-FFF2-40B4-BE49-F238E27FC236}">
+                <a16:creationId xmlns:a16="http://schemas.microsoft.com/office/drawing/2014/main" id="{E8AD8884-2880-41E1-9F49-DC4211B0264E}"/>
+              </a:ext>
+            </a:extLst>
+          </p:cNvPr>
+          <p:cNvSpPr txBox="1"/>
+          <p:nvPr/>
+        </p:nvSpPr>
+        <p:spPr>
+          <a:xfrm>
+            <a:off x="3076575" y="2154674"/>
+            <a:ext cx="5295900" cy="1723549"/>
+          </a:xfrm>
+          <a:prstGeom prst="rect">
+            <a:avLst/>
+          </a:prstGeom>
+          <a:noFill/>
+        </p:spPr>
+        <p:txBody>
+          <a:bodyPr wrap="square" rtlCol="0">
+            <a:spAutoFit/>
+          </a:bodyPr>
+          <a:lstStyle/>
+          <a:p>
+            <a:pPr algn="ctr"/>
+            <a:r>
+              <a:rPr lang="en-US" sz="6600" dirty="0">
+                <a:solidFill>
+                  <a:srgbClr val="00B050"/>
+                </a:solidFill>
+              </a:rPr>
+              <a:t>Example 3</a:t>
+            </a:r>
+          </a:p>
+          <a:p>
+            <a:pPr algn="ctr"/>
+            <a:r>
+              <a:rPr lang="en-US" sz="4000" dirty="0" err="1">
+                <a:solidFill>
+                  <a:srgbClr val="0070C0"/>
+                </a:solidFill>
+              </a:rPr>
+              <a:t>Escapsulation</a:t>
+            </a:r>
+            <a:endParaRPr lang="en-US" sz="4000" dirty="0">
+              <a:solidFill>
+                <a:srgbClr val="0070C0"/>
+              </a:solidFill>
+            </a:endParaRPr>
+          </a:p>
+        </p:txBody>
+      </p:sp>
+    </p:spTree>
+    <p:extLst>
+      <p:ext uri="{BB962C8B-B14F-4D97-AF65-F5344CB8AC3E}">
+        <p14:creationId xmlns:p14="http://schemas.microsoft.com/office/powerpoint/2010/main" val="2800748521"/>
+      </p:ext>
+    </p:extLst>
+  </p:cSld>
+  <p:clrMapOvr>
+    <a:masterClrMapping/>
+  </p:clrMapOvr>
+</p:sld>
+</file>
+
+<file path=ppt/slides/slide19.xml><?xml version="1.0" encoding="utf-8"?>
+<p:sld xmlns:a="http://schemas.openxmlformats.org/drawingml/2006/main" xmlns:r="http://schemas.openxmlformats.org/officeDocument/2006/relationships" xmlns:p="http://schemas.openxmlformats.org/presentationml/2006/main">
+  <p:cSld>
+    <p:spTree>
+      <p:nvGrpSpPr>
+        <p:cNvPr id="1" name=""/>
+        <p:cNvGrpSpPr/>
+        <p:nvPr/>
+      </p:nvGrpSpPr>
+      <p:grpSpPr>
+        <a:xfrm>
+          <a:off x="0" y="0"/>
+          <a:ext cx="0" cy="0"/>
+          <a:chOff x="0" y="0"/>
+          <a:chExt cx="0" cy="0"/>
+        </a:xfrm>
+      </p:grpSpPr>
+      <p:sp>
+        <p:nvSpPr>
+          <p:cNvPr id="2" name="Slide Number Placeholder 1">
+            <a:extLst>
+              <a:ext uri="{FF2B5EF4-FFF2-40B4-BE49-F238E27FC236}">
+                <a16:creationId xmlns:a16="http://schemas.microsoft.com/office/drawing/2014/main" id="{39050F81-8EE9-4732-8467-A18174672B6E}"/>
+              </a:ext>
+            </a:extLst>
+          </p:cNvPr>
+          <p:cNvSpPr>
+            <a:spLocks noGrp="1"/>
+          </p:cNvSpPr>
+          <p:nvPr>
+            <p:ph type="sldNum" sz="quarter" idx="12"/>
+          </p:nvPr>
+        </p:nvSpPr>
+        <p:spPr/>
+        <p:txBody>
+          <a:bodyPr/>
+          <a:lstStyle/>
+          <a:p>
+            <a:fld id="{C6E4CA17-79F9-47F8-8D56-9B2653102869}" type="slidenum">
+              <a:rPr lang="en-US" smtClean="0"/>
+              <a:t>19</a:t>
+            </a:fld>
+            <a:endParaRPr lang="en-US"/>
+          </a:p>
+        </p:txBody>
+      </p:sp>
+      <p:grpSp>
+        <p:nvGrpSpPr>
+          <p:cNvPr id="9" name="Group 8">
+            <a:extLst>
+              <a:ext uri="{FF2B5EF4-FFF2-40B4-BE49-F238E27FC236}">
+                <a16:creationId xmlns:a16="http://schemas.microsoft.com/office/drawing/2014/main" id="{87CAA959-5D4A-4FC9-AB39-EABD540A172B}"/>
+              </a:ext>
+            </a:extLst>
+          </p:cNvPr>
+          <p:cNvGrpSpPr/>
+          <p:nvPr/>
+        </p:nvGrpSpPr>
+        <p:grpSpPr>
+          <a:xfrm>
+            <a:off x="963007" y="2133600"/>
+            <a:ext cx="6466493" cy="3705225"/>
+            <a:chOff x="2590310" y="845596"/>
+            <a:chExt cx="8188890" cy="5064603"/>
+          </a:xfrm>
+        </p:grpSpPr>
+        <p:pic>
+          <p:nvPicPr>
+            <p:cNvPr id="6" name="Picture 5">
+              <a:extLst>
+                <a:ext uri="{FF2B5EF4-FFF2-40B4-BE49-F238E27FC236}">
+                  <a16:creationId xmlns:a16="http://schemas.microsoft.com/office/drawing/2014/main" id="{85DA8D20-9C80-49F1-BF5B-7CD901DD106C}"/>
+                </a:ext>
+              </a:extLst>
+            </p:cNvPr>
+            <p:cNvPicPr>
+              <a:picLocks noChangeAspect="1"/>
+            </p:cNvPicPr>
+            <p:nvPr/>
+          </p:nvPicPr>
+          <p:blipFill>
+            <a:blip r:embed="rId2"/>
+            <a:stretch>
+              <a:fillRect/>
+            </a:stretch>
+          </p:blipFill>
+          <p:spPr>
+            <a:xfrm>
+              <a:off x="2590310" y="845596"/>
+              <a:ext cx="4534239" cy="5064603"/>
+            </a:xfrm>
+            <a:prstGeom prst="rect">
+              <a:avLst/>
+            </a:prstGeom>
+          </p:spPr>
+        </p:pic>
+        <p:pic>
+          <p:nvPicPr>
+            <p:cNvPr id="8" name="Picture 7">
+              <a:extLst>
+                <a:ext uri="{FF2B5EF4-FFF2-40B4-BE49-F238E27FC236}">
+                  <a16:creationId xmlns:a16="http://schemas.microsoft.com/office/drawing/2014/main" id="{145BE9D9-8D76-4A4D-932C-3719DA5896F6}"/>
+                </a:ext>
+              </a:extLst>
+            </p:cNvPr>
+            <p:cNvPicPr>
+              <a:picLocks noChangeAspect="1"/>
+            </p:cNvPicPr>
+            <p:nvPr/>
+          </p:nvPicPr>
+          <p:blipFill>
+            <a:blip r:embed="rId3"/>
+            <a:stretch>
+              <a:fillRect/>
+            </a:stretch>
+          </p:blipFill>
+          <p:spPr>
+            <a:xfrm>
+              <a:off x="7124549" y="845597"/>
+              <a:ext cx="3654651" cy="5064602"/>
+            </a:xfrm>
+            <a:prstGeom prst="rect">
+              <a:avLst/>
+            </a:prstGeom>
+          </p:spPr>
+        </p:pic>
+      </p:grpSp>
+      <p:pic>
+        <p:nvPicPr>
+          <p:cNvPr id="7" name="Picture 6">
+            <a:extLst>
+              <a:ext uri="{FF2B5EF4-FFF2-40B4-BE49-F238E27FC236}">
+                <a16:creationId xmlns:a16="http://schemas.microsoft.com/office/drawing/2014/main" id="{E6905226-E2EC-4565-8728-9941C5C99798}"/>
+              </a:ext>
+            </a:extLst>
+          </p:cNvPr>
+          <p:cNvPicPr>
+            <a:picLocks noChangeAspect="1"/>
+          </p:cNvPicPr>
+          <p:nvPr/>
+        </p:nvPicPr>
+        <p:blipFill>
+          <a:blip r:embed="rId4"/>
+          <a:stretch>
+            <a:fillRect/>
+          </a:stretch>
+        </p:blipFill>
+        <p:spPr>
+          <a:xfrm>
+            <a:off x="963008" y="331366"/>
+            <a:ext cx="4094768" cy="1713338"/>
+          </a:xfrm>
+          <a:prstGeom prst="rect">
+            <a:avLst/>
+          </a:prstGeom>
+        </p:spPr>
+      </p:pic>
+    </p:spTree>
+    <p:extLst>
+      <p:ext uri="{BB962C8B-B14F-4D97-AF65-F5344CB8AC3E}">
+        <p14:creationId xmlns:p14="http://schemas.microsoft.com/office/powerpoint/2010/main" val="3858041200"/>
       </p:ext>
     </p:extLst>
   </p:cSld>
@@ -6975,6 +7798,412 @@
 </p:sld>
 </file>
 
+<file path=ppt/slides/slide20.xml><?xml version="1.0" encoding="utf-8"?>
+<p:sld xmlns:a="http://schemas.openxmlformats.org/drawingml/2006/main" xmlns:r="http://schemas.openxmlformats.org/officeDocument/2006/relationships" xmlns:p="http://schemas.openxmlformats.org/presentationml/2006/main">
+  <p:cSld>
+    <p:spTree>
+      <p:nvGrpSpPr>
+        <p:cNvPr id="1" name=""/>
+        <p:cNvGrpSpPr/>
+        <p:nvPr/>
+      </p:nvGrpSpPr>
+      <p:grpSpPr>
+        <a:xfrm>
+          <a:off x="0" y="0"/>
+          <a:ext cx="0" cy="0"/>
+          <a:chOff x="0" y="0"/>
+          <a:chExt cx="0" cy="0"/>
+        </a:xfrm>
+      </p:grpSpPr>
+      <p:sp>
+        <p:nvSpPr>
+          <p:cNvPr id="2" name="Slide Number Placeholder 1">
+            <a:extLst>
+              <a:ext uri="{FF2B5EF4-FFF2-40B4-BE49-F238E27FC236}">
+                <a16:creationId xmlns:a16="http://schemas.microsoft.com/office/drawing/2014/main" id="{39050F81-8EE9-4732-8467-A18174672B6E}"/>
+              </a:ext>
+            </a:extLst>
+          </p:cNvPr>
+          <p:cNvSpPr>
+            <a:spLocks noGrp="1"/>
+          </p:cNvSpPr>
+          <p:nvPr>
+            <p:ph type="sldNum" sz="quarter" idx="12"/>
+          </p:nvPr>
+        </p:nvSpPr>
+        <p:spPr/>
+        <p:txBody>
+          <a:bodyPr/>
+          <a:lstStyle/>
+          <a:p>
+            <a:fld id="{C6E4CA17-79F9-47F8-8D56-9B2653102869}" type="slidenum">
+              <a:rPr lang="en-US" smtClean="0"/>
+              <a:t>20</a:t>
+            </a:fld>
+            <a:endParaRPr lang="en-US"/>
+          </a:p>
+        </p:txBody>
+      </p:sp>
+      <p:grpSp>
+        <p:nvGrpSpPr>
+          <p:cNvPr id="11" name="Group 10">
+            <a:extLst>
+              <a:ext uri="{FF2B5EF4-FFF2-40B4-BE49-F238E27FC236}">
+                <a16:creationId xmlns:a16="http://schemas.microsoft.com/office/drawing/2014/main" id="{4A23B666-D9C6-4BB1-A109-2664EFBE8A3E}"/>
+              </a:ext>
+            </a:extLst>
+          </p:cNvPr>
+          <p:cNvGrpSpPr/>
+          <p:nvPr/>
+        </p:nvGrpSpPr>
+        <p:grpSpPr>
+          <a:xfrm>
+            <a:off x="732030" y="451513"/>
+            <a:ext cx="9694666" cy="5834987"/>
+            <a:chOff x="962155" y="533175"/>
+            <a:chExt cx="9449619" cy="5395428"/>
+          </a:xfrm>
+        </p:grpSpPr>
+        <p:pic>
+          <p:nvPicPr>
+            <p:cNvPr id="8" name="Picture 7">
+              <a:extLst>
+                <a:ext uri="{FF2B5EF4-FFF2-40B4-BE49-F238E27FC236}">
+                  <a16:creationId xmlns:a16="http://schemas.microsoft.com/office/drawing/2014/main" id="{5AF12481-57B0-48F1-9487-9D664CD1526D}"/>
+                </a:ext>
+              </a:extLst>
+            </p:cNvPr>
+            <p:cNvPicPr>
+              <a:picLocks noChangeAspect="1"/>
+            </p:cNvPicPr>
+            <p:nvPr/>
+          </p:nvPicPr>
+          <p:blipFill>
+            <a:blip r:embed="rId2"/>
+            <a:stretch>
+              <a:fillRect/>
+            </a:stretch>
+          </p:blipFill>
+          <p:spPr>
+            <a:xfrm>
+              <a:off x="962155" y="533175"/>
+              <a:ext cx="2796782" cy="5220152"/>
+            </a:xfrm>
+            <a:prstGeom prst="rect">
+              <a:avLst/>
+            </a:prstGeom>
+          </p:spPr>
+        </p:pic>
+        <p:pic>
+          <p:nvPicPr>
+            <p:cNvPr id="10" name="Picture 9">
+              <a:extLst>
+                <a:ext uri="{FF2B5EF4-FFF2-40B4-BE49-F238E27FC236}">
+                  <a16:creationId xmlns:a16="http://schemas.microsoft.com/office/drawing/2014/main" id="{F2E916AA-C9B8-49A2-96FC-34D09BC892C1}"/>
+                </a:ext>
+              </a:extLst>
+            </p:cNvPr>
+            <p:cNvPicPr>
+              <a:picLocks noChangeAspect="1"/>
+            </p:cNvPicPr>
+            <p:nvPr/>
+          </p:nvPicPr>
+          <p:blipFill>
+            <a:blip r:embed="rId3"/>
+            <a:stretch>
+              <a:fillRect/>
+            </a:stretch>
+          </p:blipFill>
+          <p:spPr>
+            <a:xfrm>
+              <a:off x="3758937" y="533175"/>
+              <a:ext cx="6652837" cy="5395428"/>
+            </a:xfrm>
+            <a:prstGeom prst="rect">
+              <a:avLst/>
+            </a:prstGeom>
+          </p:spPr>
+        </p:pic>
+      </p:grpSp>
+    </p:spTree>
+    <p:extLst>
+      <p:ext uri="{BB962C8B-B14F-4D97-AF65-F5344CB8AC3E}">
+        <p14:creationId xmlns:p14="http://schemas.microsoft.com/office/powerpoint/2010/main" val="39998199"/>
+      </p:ext>
+    </p:extLst>
+  </p:cSld>
+  <p:clrMapOvr>
+    <a:masterClrMapping/>
+  </p:clrMapOvr>
+</p:sld>
+</file>
+
+<file path=ppt/slides/slide21.xml><?xml version="1.0" encoding="utf-8"?>
+<p:sld xmlns:a="http://schemas.openxmlformats.org/drawingml/2006/main" xmlns:r="http://schemas.openxmlformats.org/officeDocument/2006/relationships" xmlns:p="http://schemas.openxmlformats.org/presentationml/2006/main">
+  <p:cSld>
+    <p:spTree>
+      <p:nvGrpSpPr>
+        <p:cNvPr id="1" name=""/>
+        <p:cNvGrpSpPr/>
+        <p:nvPr/>
+      </p:nvGrpSpPr>
+      <p:grpSpPr>
+        <a:xfrm>
+          <a:off x="0" y="0"/>
+          <a:ext cx="0" cy="0"/>
+          <a:chOff x="0" y="0"/>
+          <a:chExt cx="0" cy="0"/>
+        </a:xfrm>
+      </p:grpSpPr>
+      <p:sp>
+        <p:nvSpPr>
+          <p:cNvPr id="2" name="Slide Number Placeholder 1">
+            <a:extLst>
+              <a:ext uri="{FF2B5EF4-FFF2-40B4-BE49-F238E27FC236}">
+                <a16:creationId xmlns:a16="http://schemas.microsoft.com/office/drawing/2014/main" id="{39050F81-8EE9-4732-8467-A18174672B6E}"/>
+              </a:ext>
+            </a:extLst>
+          </p:cNvPr>
+          <p:cNvSpPr>
+            <a:spLocks noGrp="1"/>
+          </p:cNvSpPr>
+          <p:nvPr>
+            <p:ph type="sldNum" sz="quarter" idx="12"/>
+          </p:nvPr>
+        </p:nvSpPr>
+        <p:spPr/>
+        <p:txBody>
+          <a:bodyPr/>
+          <a:lstStyle/>
+          <a:p>
+            <a:fld id="{C6E4CA17-79F9-47F8-8D56-9B2653102869}" type="slidenum">
+              <a:rPr lang="en-US" smtClean="0"/>
+              <a:t>21</a:t>
+            </a:fld>
+            <a:endParaRPr lang="en-US"/>
+          </a:p>
+        </p:txBody>
+      </p:sp>
+      <p:pic>
+        <p:nvPicPr>
+          <p:cNvPr id="4" name="Picture 3">
+            <a:extLst>
+              <a:ext uri="{FF2B5EF4-FFF2-40B4-BE49-F238E27FC236}">
+                <a16:creationId xmlns:a16="http://schemas.microsoft.com/office/drawing/2014/main" id="{019E1914-E4C2-4B0A-B933-AACB3DAE7C86}"/>
+              </a:ext>
+            </a:extLst>
+          </p:cNvPr>
+          <p:cNvPicPr>
+            <a:picLocks noChangeAspect="1"/>
+          </p:cNvPicPr>
+          <p:nvPr/>
+        </p:nvPicPr>
+        <p:blipFill>
+          <a:blip r:embed="rId2"/>
+          <a:stretch>
+            <a:fillRect/>
+          </a:stretch>
+        </p:blipFill>
+        <p:spPr>
+          <a:xfrm>
+            <a:off x="1249540" y="777075"/>
+            <a:ext cx="3317889" cy="3899699"/>
+          </a:xfrm>
+          <a:prstGeom prst="rect">
+            <a:avLst/>
+          </a:prstGeom>
+        </p:spPr>
+      </p:pic>
+    </p:spTree>
+    <p:extLst>
+      <p:ext uri="{BB962C8B-B14F-4D97-AF65-F5344CB8AC3E}">
+        <p14:creationId xmlns:p14="http://schemas.microsoft.com/office/powerpoint/2010/main" val="2691862260"/>
+      </p:ext>
+    </p:extLst>
+  </p:cSld>
+  <p:clrMapOvr>
+    <a:masterClrMapping/>
+  </p:clrMapOvr>
+</p:sld>
+</file>
+
+<file path=ppt/slides/slide22.xml><?xml version="1.0" encoding="utf-8"?>
+<p:sld xmlns:a="http://schemas.openxmlformats.org/drawingml/2006/main" xmlns:r="http://schemas.openxmlformats.org/officeDocument/2006/relationships" xmlns:p="http://schemas.openxmlformats.org/presentationml/2006/main">
+  <p:cSld>
+    <p:spTree>
+      <p:nvGrpSpPr>
+        <p:cNvPr id="1" name=""/>
+        <p:cNvGrpSpPr/>
+        <p:nvPr/>
+      </p:nvGrpSpPr>
+      <p:grpSpPr>
+        <a:xfrm>
+          <a:off x="0" y="0"/>
+          <a:ext cx="0" cy="0"/>
+          <a:chOff x="0" y="0"/>
+          <a:chExt cx="0" cy="0"/>
+        </a:xfrm>
+      </p:grpSpPr>
+      <p:sp>
+        <p:nvSpPr>
+          <p:cNvPr id="2" name="Slide Number Placeholder 1">
+            <a:extLst>
+              <a:ext uri="{FF2B5EF4-FFF2-40B4-BE49-F238E27FC236}">
+                <a16:creationId xmlns:a16="http://schemas.microsoft.com/office/drawing/2014/main" id="{39050F81-8EE9-4732-8467-A18174672B6E}"/>
+              </a:ext>
+            </a:extLst>
+          </p:cNvPr>
+          <p:cNvSpPr>
+            <a:spLocks noGrp="1"/>
+          </p:cNvSpPr>
+          <p:nvPr>
+            <p:ph type="sldNum" sz="quarter" idx="12"/>
+          </p:nvPr>
+        </p:nvSpPr>
+        <p:spPr/>
+        <p:txBody>
+          <a:bodyPr/>
+          <a:lstStyle/>
+          <a:p>
+            <a:fld id="{C6E4CA17-79F9-47F8-8D56-9B2653102869}" type="slidenum">
+              <a:rPr lang="en-US" smtClean="0"/>
+              <a:t>22</a:t>
+            </a:fld>
+            <a:endParaRPr lang="en-US"/>
+          </a:p>
+        </p:txBody>
+      </p:sp>
+    </p:spTree>
+    <p:extLst>
+      <p:ext uri="{BB962C8B-B14F-4D97-AF65-F5344CB8AC3E}">
+        <p14:creationId xmlns:p14="http://schemas.microsoft.com/office/powerpoint/2010/main" val="3628564108"/>
+      </p:ext>
+    </p:extLst>
+  </p:cSld>
+  <p:clrMapOvr>
+    <a:masterClrMapping/>
+  </p:clrMapOvr>
+</p:sld>
+</file>
+
+<file path=ppt/slides/slide23.xml><?xml version="1.0" encoding="utf-8"?>
+<p:sld xmlns:a="http://schemas.openxmlformats.org/drawingml/2006/main" xmlns:r="http://schemas.openxmlformats.org/officeDocument/2006/relationships" xmlns:p="http://schemas.openxmlformats.org/presentationml/2006/main">
+  <p:cSld>
+    <p:spTree>
+      <p:nvGrpSpPr>
+        <p:cNvPr id="1" name=""/>
+        <p:cNvGrpSpPr/>
+        <p:nvPr/>
+      </p:nvGrpSpPr>
+      <p:grpSpPr>
+        <a:xfrm>
+          <a:off x="0" y="0"/>
+          <a:ext cx="0" cy="0"/>
+          <a:chOff x="0" y="0"/>
+          <a:chExt cx="0" cy="0"/>
+        </a:xfrm>
+      </p:grpSpPr>
+      <p:sp>
+        <p:nvSpPr>
+          <p:cNvPr id="2" name="Slide Number Placeholder 1">
+            <a:extLst>
+              <a:ext uri="{FF2B5EF4-FFF2-40B4-BE49-F238E27FC236}">
+                <a16:creationId xmlns:a16="http://schemas.microsoft.com/office/drawing/2014/main" id="{39050F81-8EE9-4732-8467-A18174672B6E}"/>
+              </a:ext>
+            </a:extLst>
+          </p:cNvPr>
+          <p:cNvSpPr>
+            <a:spLocks noGrp="1"/>
+          </p:cNvSpPr>
+          <p:nvPr>
+            <p:ph type="sldNum" sz="quarter" idx="12"/>
+          </p:nvPr>
+        </p:nvSpPr>
+        <p:spPr/>
+        <p:txBody>
+          <a:bodyPr/>
+          <a:lstStyle/>
+          <a:p>
+            <a:fld id="{C6E4CA17-79F9-47F8-8D56-9B2653102869}" type="slidenum">
+              <a:rPr lang="en-US" smtClean="0"/>
+              <a:t>23</a:t>
+            </a:fld>
+            <a:endParaRPr lang="en-US"/>
+          </a:p>
+        </p:txBody>
+      </p:sp>
+    </p:spTree>
+    <p:extLst>
+      <p:ext uri="{BB962C8B-B14F-4D97-AF65-F5344CB8AC3E}">
+        <p14:creationId xmlns:p14="http://schemas.microsoft.com/office/powerpoint/2010/main" val="2956415977"/>
+      </p:ext>
+    </p:extLst>
+  </p:cSld>
+  <p:clrMapOvr>
+    <a:masterClrMapping/>
+  </p:clrMapOvr>
+</p:sld>
+</file>
+
+<file path=ppt/slides/slide24.xml><?xml version="1.0" encoding="utf-8"?>
+<p:sld xmlns:a="http://schemas.openxmlformats.org/drawingml/2006/main" xmlns:r="http://schemas.openxmlformats.org/officeDocument/2006/relationships" xmlns:p="http://schemas.openxmlformats.org/presentationml/2006/main">
+  <p:cSld>
+    <p:spTree>
+      <p:nvGrpSpPr>
+        <p:cNvPr id="1" name=""/>
+        <p:cNvGrpSpPr/>
+        <p:nvPr/>
+      </p:nvGrpSpPr>
+      <p:grpSpPr>
+        <a:xfrm>
+          <a:off x="0" y="0"/>
+          <a:ext cx="0" cy="0"/>
+          <a:chOff x="0" y="0"/>
+          <a:chExt cx="0" cy="0"/>
+        </a:xfrm>
+      </p:grpSpPr>
+      <p:sp>
+        <p:nvSpPr>
+          <p:cNvPr id="2" name="Slide Number Placeholder 1">
+            <a:extLst>
+              <a:ext uri="{FF2B5EF4-FFF2-40B4-BE49-F238E27FC236}">
+                <a16:creationId xmlns:a16="http://schemas.microsoft.com/office/drawing/2014/main" id="{39050F81-8EE9-4732-8467-A18174672B6E}"/>
+              </a:ext>
+            </a:extLst>
+          </p:cNvPr>
+          <p:cNvSpPr>
+            <a:spLocks noGrp="1"/>
+          </p:cNvSpPr>
+          <p:nvPr>
+            <p:ph type="sldNum" sz="quarter" idx="12"/>
+          </p:nvPr>
+        </p:nvSpPr>
+        <p:spPr/>
+        <p:txBody>
+          <a:bodyPr/>
+          <a:lstStyle/>
+          <a:p>
+            <a:fld id="{C6E4CA17-79F9-47F8-8D56-9B2653102869}" type="slidenum">
+              <a:rPr lang="en-US" smtClean="0"/>
+              <a:t>24</a:t>
+            </a:fld>
+            <a:endParaRPr lang="en-US"/>
+          </a:p>
+        </p:txBody>
+      </p:sp>
+    </p:spTree>
+    <p:extLst>
+      <p:ext uri="{BB962C8B-B14F-4D97-AF65-F5344CB8AC3E}">
+        <p14:creationId xmlns:p14="http://schemas.microsoft.com/office/powerpoint/2010/main" val="1552671710"/>
+      </p:ext>
+    </p:extLst>
+  </p:cSld>
+  <p:clrMapOvr>
+    <a:masterClrMapping/>
+  </p:clrMapOvr>
+</p:sld>
+</file>
+
 <file path=ppt/slides/slide3.xml><?xml version="1.0" encoding="utf-8"?>
 <p:sld xmlns:a="http://schemas.openxmlformats.org/drawingml/2006/main" xmlns:r="http://schemas.openxmlformats.org/officeDocument/2006/relationships" xmlns:p="http://schemas.openxmlformats.org/presentationml/2006/main">
   <p:cSld>
@@ -7035,8 +8264,8 @@
         </p:nvSpPr>
         <p:spPr>
           <a:xfrm>
-            <a:off x="2962275" y="2562111"/>
-            <a:ext cx="5295900" cy="1107996"/>
+            <a:off x="3162300" y="2259449"/>
+            <a:ext cx="5295900" cy="2339102"/>
           </a:xfrm>
           <a:prstGeom prst="rect">
             <a:avLst/>
@@ -7056,7 +8285,29 @@
                   <a:srgbClr val="00B050"/>
                 </a:solidFill>
               </a:rPr>
-              <a:t>Examples</a:t>
+              <a:t>Example 1</a:t>
+            </a:r>
+          </a:p>
+          <a:p>
+            <a:pPr algn="ctr"/>
+            <a:r>
+              <a:rPr lang="en-US" sz="4000" dirty="0">
+                <a:solidFill>
+                  <a:srgbClr val="00B050"/>
+                </a:solidFill>
+              </a:rPr>
+              <a:t>Average of 3 Numbers</a:t>
+            </a:r>
+          </a:p>
+          <a:p>
+            <a:pPr algn="ctr"/>
+            <a:r>
+              <a:rPr lang="en-US" sz="4000" dirty="0">
+                <a:solidFill>
+                  <a:srgbClr val="0070C0"/>
+                </a:solidFill>
+              </a:rPr>
+              <a:t>Static Class</a:t>
             </a:r>
           </a:p>
         </p:txBody>

--- a/C#/C#.NET.pptx
+++ b/C#/C#.NET.pptx
@@ -5,10 +5,10 @@
     <p:sldMasterId id="2147483660" r:id="rId1"/>
   </p:sldMasterIdLst>
   <p:notesMasterIdLst>
-    <p:notesMasterId r:id="rId26"/>
+    <p:notesMasterId r:id="rId25"/>
   </p:notesMasterIdLst>
   <p:handoutMasterIdLst>
-    <p:handoutMasterId r:id="rId27"/>
+    <p:handoutMasterId r:id="rId26"/>
   </p:handoutMasterIdLst>
   <p:sldIdLst>
     <p:sldId id="256" r:id="rId2"/>
@@ -27,14 +27,13 @@
     <p:sldId id="272" r:id="rId15"/>
     <p:sldId id="273" r:id="rId16"/>
     <p:sldId id="274" r:id="rId17"/>
-    <p:sldId id="275" r:id="rId18"/>
-    <p:sldId id="277" r:id="rId19"/>
-    <p:sldId id="283" r:id="rId20"/>
-    <p:sldId id="278" r:id="rId21"/>
-    <p:sldId id="279" r:id="rId22"/>
-    <p:sldId id="280" r:id="rId23"/>
-    <p:sldId id="281" r:id="rId24"/>
-    <p:sldId id="282" r:id="rId25"/>
+    <p:sldId id="277" r:id="rId18"/>
+    <p:sldId id="283" r:id="rId19"/>
+    <p:sldId id="278" r:id="rId20"/>
+    <p:sldId id="279" r:id="rId21"/>
+    <p:sldId id="280" r:id="rId22"/>
+    <p:sldId id="281" r:id="rId23"/>
+    <p:sldId id="282" r:id="rId24"/>
   </p:sldIdLst>
   <p:sldSz cx="12192000" cy="6858000"/>
   <p:notesSz cx="6858000" cy="9144000"/>
@@ -235,7 +234,7 @@
           <a:p>
             <a:fld id="{74C2C69A-C2A6-40A1-A45D-29B73E0D788A}" type="datetimeFigureOut">
               <a:rPr lang="en-US" smtClean="0"/>
-              <a:t>11/7/2024</a:t>
+              <a:t>11/20/2024</a:t>
             </a:fld>
             <a:endParaRPr lang="en-US"/>
           </a:p>
@@ -413,7 +412,7 @@
           <a:p>
             <a:fld id="{CEBB042C-DBF3-40A6-A413-5A681CD6D80B}" type="datetimeFigureOut">
               <a:rPr lang="en-US" smtClean="0"/>
-              <a:t>11/7/2024</a:t>
+              <a:t>11/20/2024</a:t>
             </a:fld>
             <a:endParaRPr lang="en-US"/>
           </a:p>
@@ -1403,7 +1402,7 @@
           <a:p>
             <a:fld id="{4C8739AB-0F33-4FF9-B834-4DE708454929}" type="datetime1">
               <a:rPr lang="en-US" smtClean="0"/>
-              <a:t>11/7/2024</a:t>
+              <a:t>11/20/2024</a:t>
             </a:fld>
             <a:endParaRPr lang="en-US"/>
           </a:p>
@@ -1654,7 +1653,7 @@
           <a:p>
             <a:fld id="{5C8B8D53-FA2F-4A60-9ADA-E81430017CF0}" type="datetime1">
               <a:rPr lang="en-US" smtClean="0"/>
-              <a:t>11/7/2024</a:t>
+              <a:t>11/20/2024</a:t>
             </a:fld>
             <a:endParaRPr lang="en-US"/>
           </a:p>
@@ -1968,7 +1967,7 @@
           <a:p>
             <a:fld id="{81AD48D4-B183-47C0-A3A3-DD4B0026519F}" type="datetime1">
               <a:rPr lang="en-US" smtClean="0"/>
-              <a:t>11/7/2024</a:t>
+              <a:t>11/20/2024</a:t>
             </a:fld>
             <a:endParaRPr lang="en-US"/>
           </a:p>
@@ -2309,7 +2308,7 @@
           <a:p>
             <a:fld id="{604A0CB4-545C-44A1-B757-D92324B2B76F}" type="datetime1">
               <a:rPr lang="en-US" smtClean="0"/>
-              <a:t>11/7/2024</a:t>
+              <a:t>11/20/2024</a:t>
             </a:fld>
             <a:endParaRPr lang="en-US"/>
           </a:p>
@@ -2623,7 +2622,7 @@
           <a:p>
             <a:fld id="{4DBB63C1-E999-472C-92E5-250BEEA1010F}" type="datetime1">
               <a:rPr lang="en-US" smtClean="0"/>
-              <a:t>11/7/2024</a:t>
+              <a:t>11/20/2024</a:t>
             </a:fld>
             <a:endParaRPr lang="en-US"/>
           </a:p>
@@ -3016,7 +3015,7 @@
           <a:p>
             <a:fld id="{46726112-FAA1-4E28-B470-2D72DD41AA84}" type="datetime1">
               <a:rPr lang="en-US" smtClean="0"/>
-              <a:t>11/7/2024</a:t>
+              <a:t>11/20/2024</a:t>
             </a:fld>
             <a:endParaRPr lang="en-US"/>
           </a:p>
@@ -3186,7 +3185,7 @@
           <a:p>
             <a:fld id="{893657BD-ABC4-48EA-ADF2-5342557997CA}" type="datetime1">
               <a:rPr lang="en-US" smtClean="0"/>
-              <a:t>11/7/2024</a:t>
+              <a:t>11/20/2024</a:t>
             </a:fld>
             <a:endParaRPr lang="en-US"/>
           </a:p>
@@ -3366,7 +3365,7 @@
           <a:p>
             <a:fld id="{06F88D94-5DD3-4BF9-B49B-A2614EBD195A}" type="datetime1">
               <a:rPr lang="en-US" smtClean="0"/>
-              <a:t>11/7/2024</a:t>
+              <a:t>11/20/2024</a:t>
             </a:fld>
             <a:endParaRPr lang="en-US"/>
           </a:p>
@@ -3542,7 +3541,7 @@
           <a:p>
             <a:fld id="{429E01E4-FDE9-4906-BA26-09CA892E3450}" type="datetime1">
               <a:rPr lang="en-US" smtClean="0"/>
-              <a:t>11/7/2024</a:t>
+              <a:t>11/20/2024</a:t>
             </a:fld>
             <a:endParaRPr lang="en-US"/>
           </a:p>
@@ -3789,7 +3788,7 @@
           <a:p>
             <a:fld id="{6DD4F8DD-B8DE-422A-8F1E-A786EA17E40D}" type="datetime1">
               <a:rPr lang="en-US" smtClean="0"/>
-              <a:t>11/7/2024</a:t>
+              <a:t>11/20/2024</a:t>
             </a:fld>
             <a:endParaRPr lang="en-US"/>
           </a:p>
@@ -4021,7 +4020,7 @@
           <a:p>
             <a:fld id="{A15DFF26-301B-4C88-A7EC-0BA0F0531B9D}" type="datetime1">
               <a:rPr lang="en-US" smtClean="0"/>
-              <a:t>11/7/2024</a:t>
+              <a:t>11/20/2024</a:t>
             </a:fld>
             <a:endParaRPr lang="en-US"/>
           </a:p>
@@ -4395,7 +4394,7 @@
           <a:p>
             <a:fld id="{D32A90B4-D234-4C39-8BE2-D27269FF7FE8}" type="datetime1">
               <a:rPr lang="en-US" smtClean="0"/>
-              <a:t>11/7/2024</a:t>
+              <a:t>11/20/2024</a:t>
             </a:fld>
             <a:endParaRPr lang="en-US"/>
           </a:p>
@@ -4518,7 +4517,7 @@
           <a:p>
             <a:fld id="{F86726D0-36CC-4B10-9F60-C20EC3007EE8}" type="datetime1">
               <a:rPr lang="en-US" smtClean="0"/>
-              <a:t>11/7/2024</a:t>
+              <a:t>11/20/2024</a:t>
             </a:fld>
             <a:endParaRPr lang="en-US"/>
           </a:p>
@@ -4613,7 +4612,7 @@
           <a:p>
             <a:fld id="{1C4F9C17-194C-4911-8511-F2CED1B26F9C}" type="datetime1">
               <a:rPr lang="en-US" smtClean="0"/>
-              <a:t>11/7/2024</a:t>
+              <a:t>11/20/2024</a:t>
             </a:fld>
             <a:endParaRPr lang="en-US"/>
           </a:p>
@@ -4868,7 +4867,7 @@
           <a:p>
             <a:fld id="{751869EC-7BC9-4E49-B32E-AE2B3D759C2A}" type="datetime1">
               <a:rPr lang="en-US" smtClean="0"/>
-              <a:t>11/7/2024</a:t>
+              <a:t>11/20/2024</a:t>
             </a:fld>
             <a:endParaRPr lang="en-US"/>
           </a:p>
@@ -5131,7 +5130,7 @@
           <a:p>
             <a:fld id="{1BC8B382-19C4-4BD6-A81D-C03150217153}" type="datetime1">
               <a:rPr lang="en-US" smtClean="0"/>
-              <a:t>11/7/2024</a:t>
+              <a:t>11/20/2024</a:t>
             </a:fld>
             <a:endParaRPr lang="en-US"/>
           </a:p>
@@ -5874,7 +5873,7 @@
           <a:p>
             <a:fld id="{E966F022-BB9E-4033-A1DB-932894737B9B}" type="datetime1">
               <a:rPr lang="en-US" smtClean="0"/>
-              <a:t>11/7/2024</a:t>
+              <a:t>11/20/2024</a:t>
             </a:fld>
             <a:endParaRPr lang="en-US"/>
           </a:p>
@@ -7360,10 +7359,66 @@
           </a:p>
         </p:txBody>
       </p:sp>
+      <p:sp>
+        <p:nvSpPr>
+          <p:cNvPr id="3" name="TextBox 2">
+            <a:extLst>
+              <a:ext uri="{FF2B5EF4-FFF2-40B4-BE49-F238E27FC236}">
+                <a16:creationId xmlns:a16="http://schemas.microsoft.com/office/drawing/2014/main" id="{E8AD8884-2880-41E1-9F49-DC4211B0264E}"/>
+              </a:ext>
+            </a:extLst>
+          </p:cNvPr>
+          <p:cNvSpPr txBox="1"/>
+          <p:nvPr/>
+        </p:nvSpPr>
+        <p:spPr>
+          <a:xfrm>
+            <a:off x="3076575" y="2154674"/>
+            <a:ext cx="5295900" cy="1723549"/>
+          </a:xfrm>
+          <a:prstGeom prst="rect">
+            <a:avLst/>
+          </a:prstGeom>
+          <a:noFill/>
+        </p:spPr>
+        <p:txBody>
+          <a:bodyPr wrap="square" rtlCol="0">
+            <a:spAutoFit/>
+          </a:bodyPr>
+          <a:lstStyle/>
+          <a:p>
+            <a:pPr algn="ctr"/>
+            <a:r>
+              <a:rPr lang="en-US" sz="6600" dirty="0">
+                <a:solidFill>
+                  <a:srgbClr val="00B050"/>
+                </a:solidFill>
+              </a:rPr>
+              <a:t>Example 3</a:t>
+            </a:r>
+          </a:p>
+          <a:p>
+            <a:pPr algn="ctr"/>
+            <a:r>
+              <a:rPr lang="en-US" sz="4000" dirty="0" err="1">
+                <a:solidFill>
+                  <a:srgbClr val="0070C0"/>
+                </a:solidFill>
+              </a:rPr>
+              <a:t>Escapsulation</a:t>
+            </a:r>
+            <a:endParaRPr lang="en-US" sz="4000" dirty="0">
+              <a:solidFill>
+                <a:srgbClr val="0070C0"/>
+              </a:solidFill>
+            </a:endParaRPr>
+          </a:p>
+        </p:txBody>
+      </p:sp>
     </p:spTree>
     <p:extLst>
       <p:ext uri="{BB962C8B-B14F-4D97-AF65-F5344CB8AC3E}">
-        <p14:creationId xmlns:p14="http://schemas.microsoft.com/office/powerpoint/2010/main" val="761869138"/>
+        <p14:creationId xmlns:p14="http://schemas.microsoft.com/office/powerpoint/2010/main" val="2800748521"/>
       </p:ext>
     </p:extLst>
   </p:cSld>
@@ -7414,121 +7469,6 @@
             <a:fld id="{C6E4CA17-79F9-47F8-8D56-9B2653102869}" type="slidenum">
               <a:rPr lang="en-US" smtClean="0"/>
               <a:t>18</a:t>
-            </a:fld>
-            <a:endParaRPr lang="en-US"/>
-          </a:p>
-        </p:txBody>
-      </p:sp>
-      <p:sp>
-        <p:nvSpPr>
-          <p:cNvPr id="3" name="TextBox 2">
-            <a:extLst>
-              <a:ext uri="{FF2B5EF4-FFF2-40B4-BE49-F238E27FC236}">
-                <a16:creationId xmlns:a16="http://schemas.microsoft.com/office/drawing/2014/main" id="{E8AD8884-2880-41E1-9F49-DC4211B0264E}"/>
-              </a:ext>
-            </a:extLst>
-          </p:cNvPr>
-          <p:cNvSpPr txBox="1"/>
-          <p:nvPr/>
-        </p:nvSpPr>
-        <p:spPr>
-          <a:xfrm>
-            <a:off x="3076575" y="2154674"/>
-            <a:ext cx="5295900" cy="1723549"/>
-          </a:xfrm>
-          <a:prstGeom prst="rect">
-            <a:avLst/>
-          </a:prstGeom>
-          <a:noFill/>
-        </p:spPr>
-        <p:txBody>
-          <a:bodyPr wrap="square" rtlCol="0">
-            <a:spAutoFit/>
-          </a:bodyPr>
-          <a:lstStyle/>
-          <a:p>
-            <a:pPr algn="ctr"/>
-            <a:r>
-              <a:rPr lang="en-US" sz="6600" dirty="0">
-                <a:solidFill>
-                  <a:srgbClr val="00B050"/>
-                </a:solidFill>
-              </a:rPr>
-              <a:t>Example 3</a:t>
-            </a:r>
-          </a:p>
-          <a:p>
-            <a:pPr algn="ctr"/>
-            <a:r>
-              <a:rPr lang="en-US" sz="4000" dirty="0" err="1">
-                <a:solidFill>
-                  <a:srgbClr val="0070C0"/>
-                </a:solidFill>
-              </a:rPr>
-              <a:t>Escapsulation</a:t>
-            </a:r>
-            <a:endParaRPr lang="en-US" sz="4000" dirty="0">
-              <a:solidFill>
-                <a:srgbClr val="0070C0"/>
-              </a:solidFill>
-            </a:endParaRPr>
-          </a:p>
-        </p:txBody>
-      </p:sp>
-    </p:spTree>
-    <p:extLst>
-      <p:ext uri="{BB962C8B-B14F-4D97-AF65-F5344CB8AC3E}">
-        <p14:creationId xmlns:p14="http://schemas.microsoft.com/office/powerpoint/2010/main" val="2800748521"/>
-      </p:ext>
-    </p:extLst>
-  </p:cSld>
-  <p:clrMapOvr>
-    <a:masterClrMapping/>
-  </p:clrMapOvr>
-</p:sld>
-</file>
-
-<file path=ppt/slides/slide19.xml><?xml version="1.0" encoding="utf-8"?>
-<p:sld xmlns:a="http://schemas.openxmlformats.org/drawingml/2006/main" xmlns:r="http://schemas.openxmlformats.org/officeDocument/2006/relationships" xmlns:p="http://schemas.openxmlformats.org/presentationml/2006/main">
-  <p:cSld>
-    <p:spTree>
-      <p:nvGrpSpPr>
-        <p:cNvPr id="1" name=""/>
-        <p:cNvGrpSpPr/>
-        <p:nvPr/>
-      </p:nvGrpSpPr>
-      <p:grpSpPr>
-        <a:xfrm>
-          <a:off x="0" y="0"/>
-          <a:ext cx="0" cy="0"/>
-          <a:chOff x="0" y="0"/>
-          <a:chExt cx="0" cy="0"/>
-        </a:xfrm>
-      </p:grpSpPr>
-      <p:sp>
-        <p:nvSpPr>
-          <p:cNvPr id="2" name="Slide Number Placeholder 1">
-            <a:extLst>
-              <a:ext uri="{FF2B5EF4-FFF2-40B4-BE49-F238E27FC236}">
-                <a16:creationId xmlns:a16="http://schemas.microsoft.com/office/drawing/2014/main" id="{39050F81-8EE9-4732-8467-A18174672B6E}"/>
-              </a:ext>
-            </a:extLst>
-          </p:cNvPr>
-          <p:cNvSpPr>
-            <a:spLocks noGrp="1"/>
-          </p:cNvSpPr>
-          <p:nvPr>
-            <p:ph type="sldNum" sz="quarter" idx="12"/>
-          </p:nvPr>
-        </p:nvSpPr>
-        <p:spPr/>
-        <p:txBody>
-          <a:bodyPr/>
-          <a:lstStyle/>
-          <a:p>
-            <a:fld id="{C6E4CA17-79F9-47F8-8D56-9B2653102869}" type="slidenum">
-              <a:rPr lang="en-US" smtClean="0"/>
-              <a:t>19</a:t>
             </a:fld>
             <a:endParaRPr lang="en-US"/>
           </a:p>
@@ -7658,7 +7598,7 @@
 </p:sld>
 </file>
 
-<file path=ppt/slides/slide2.xml><?xml version="1.0" encoding="utf-8"?>
+<file path=ppt/slides/slide19.xml><?xml version="1.0" encoding="utf-8"?>
 <p:sld xmlns:a="http://schemas.openxmlformats.org/drawingml/2006/main" xmlns:r="http://schemas.openxmlformats.org/officeDocument/2006/relationships" xmlns:p="http://schemas.openxmlformats.org/presentationml/2006/main">
   <p:cSld>
     <p:spTree>
@@ -7677,146 +7617,6 @@
       </p:grpSpPr>
       <p:sp>
         <p:nvSpPr>
-          <p:cNvPr id="3" name="TextBox 2">
-            <a:extLst>
-              <a:ext uri="{FF2B5EF4-FFF2-40B4-BE49-F238E27FC236}">
-                <a16:creationId xmlns:a16="http://schemas.microsoft.com/office/drawing/2014/main" id="{975B40C4-7736-4334-A881-52CDE2BE8E0C}"/>
-              </a:ext>
-            </a:extLst>
-          </p:cNvPr>
-          <p:cNvSpPr txBox="1"/>
-          <p:nvPr/>
-        </p:nvSpPr>
-        <p:spPr>
-          <a:xfrm>
-            <a:off x="776288" y="896421"/>
-            <a:ext cx="6105524" cy="738664"/>
-          </a:xfrm>
-          <a:prstGeom prst="rect">
-            <a:avLst/>
-          </a:prstGeom>
-          <a:noFill/>
-        </p:spPr>
-        <p:txBody>
-          <a:bodyPr wrap="square">
-            <a:spAutoFit/>
-          </a:bodyPr>
-          <a:lstStyle/>
-          <a:p>
-            <a:r>
-              <a:rPr lang="en-US" sz="1400" dirty="0">
-                <a:highlight>
-                  <a:srgbClr val="00FF00"/>
-                </a:highlight>
-              </a:rPr>
-              <a:t>Main Reference:</a:t>
-            </a:r>
-          </a:p>
-          <a:p>
-            <a:r>
-              <a:rPr lang="en-US" sz="1400" dirty="0">
-                <a:hlinkClick r:id="rId2"/>
-              </a:rPr>
-              <a:t>https://learn.microsoft.com/en-us/ef/dotnet-data/</a:t>
-            </a:r>
-            <a:endParaRPr lang="en-US" sz="1400" dirty="0"/>
-          </a:p>
-          <a:p>
-            <a:endParaRPr lang="en-US" sz="1400" dirty="0"/>
-          </a:p>
-        </p:txBody>
-      </p:sp>
-      <p:pic>
-        <p:nvPicPr>
-          <p:cNvPr id="5" name="Picture 4">
-            <a:extLst>
-              <a:ext uri="{FF2B5EF4-FFF2-40B4-BE49-F238E27FC236}">
-                <a16:creationId xmlns:a16="http://schemas.microsoft.com/office/drawing/2014/main" id="{CF8C108A-C66E-404C-B675-9BCBBB2FDFDB}"/>
-              </a:ext>
-            </a:extLst>
-          </p:cNvPr>
-          <p:cNvPicPr>
-            <a:picLocks noChangeAspect="1"/>
-          </p:cNvPicPr>
-          <p:nvPr/>
-        </p:nvPicPr>
-        <p:blipFill>
-          <a:blip r:embed="rId3"/>
-          <a:stretch>
-            <a:fillRect/>
-          </a:stretch>
-        </p:blipFill>
-        <p:spPr>
-          <a:xfrm>
-            <a:off x="776288" y="1750710"/>
-            <a:ext cx="8404841" cy="3356580"/>
-          </a:xfrm>
-          <a:prstGeom prst="rect">
-            <a:avLst/>
-          </a:prstGeom>
-        </p:spPr>
-      </p:pic>
-      <p:sp>
-        <p:nvSpPr>
-          <p:cNvPr id="6" name="Slide Number Placeholder 5">
-            <a:extLst>
-              <a:ext uri="{FF2B5EF4-FFF2-40B4-BE49-F238E27FC236}">
-                <a16:creationId xmlns:a16="http://schemas.microsoft.com/office/drawing/2014/main" id="{A19D2B31-410E-45C7-ADE0-A73956403383}"/>
-              </a:ext>
-            </a:extLst>
-          </p:cNvPr>
-          <p:cNvSpPr>
-            <a:spLocks noGrp="1"/>
-          </p:cNvSpPr>
-          <p:nvPr>
-            <p:ph type="sldNum" sz="quarter" idx="12"/>
-          </p:nvPr>
-        </p:nvSpPr>
-        <p:spPr/>
-        <p:txBody>
-          <a:bodyPr/>
-          <a:lstStyle/>
-          <a:p>
-            <a:fld id="{C6E4CA17-79F9-47F8-8D56-9B2653102869}" type="slidenum">
-              <a:rPr lang="en-US" smtClean="0"/>
-              <a:t>2</a:t>
-            </a:fld>
-            <a:endParaRPr lang="en-US"/>
-          </a:p>
-        </p:txBody>
-      </p:sp>
-    </p:spTree>
-    <p:extLst>
-      <p:ext uri="{BB962C8B-B14F-4D97-AF65-F5344CB8AC3E}">
-        <p14:creationId xmlns:p14="http://schemas.microsoft.com/office/powerpoint/2010/main" val="1300439240"/>
-      </p:ext>
-    </p:extLst>
-  </p:cSld>
-  <p:clrMapOvr>
-    <a:masterClrMapping/>
-  </p:clrMapOvr>
-</p:sld>
-</file>
-
-<file path=ppt/slides/slide20.xml><?xml version="1.0" encoding="utf-8"?>
-<p:sld xmlns:a="http://schemas.openxmlformats.org/drawingml/2006/main" xmlns:r="http://schemas.openxmlformats.org/officeDocument/2006/relationships" xmlns:p="http://schemas.openxmlformats.org/presentationml/2006/main">
-  <p:cSld>
-    <p:spTree>
-      <p:nvGrpSpPr>
-        <p:cNvPr id="1" name=""/>
-        <p:cNvGrpSpPr/>
-        <p:nvPr/>
-      </p:nvGrpSpPr>
-      <p:grpSpPr>
-        <a:xfrm>
-          <a:off x="0" y="0"/>
-          <a:ext cx="0" cy="0"/>
-          <a:chOff x="0" y="0"/>
-          <a:chExt cx="0" cy="0"/>
-        </a:xfrm>
-      </p:grpSpPr>
-      <p:sp>
-        <p:nvSpPr>
           <p:cNvPr id="2" name="Slide Number Placeholder 1">
             <a:extLst>
               <a:ext uri="{FF2B5EF4-FFF2-40B4-BE49-F238E27FC236}">
@@ -7838,7 +7638,7 @@
           <a:p>
             <a:fld id="{C6E4CA17-79F9-47F8-8D56-9B2653102869}" type="slidenum">
               <a:rPr lang="en-US" smtClean="0"/>
-              <a:t>20</a:t>
+              <a:t>19</a:t>
             </a:fld>
             <a:endParaRPr lang="en-US"/>
           </a:p>
@@ -7938,7 +7738,7 @@
 </p:sld>
 </file>
 
-<file path=ppt/slides/slide21.xml><?xml version="1.0" encoding="utf-8"?>
+<file path=ppt/slides/slide2.xml><?xml version="1.0" encoding="utf-8"?>
 <p:sld xmlns:a="http://schemas.openxmlformats.org/drawingml/2006/main" xmlns:r="http://schemas.openxmlformats.org/officeDocument/2006/relationships" xmlns:p="http://schemas.openxmlformats.org/presentationml/2006/main">
   <p:cSld>
     <p:spTree>
@@ -7957,6 +7757,146 @@
       </p:grpSpPr>
       <p:sp>
         <p:nvSpPr>
+          <p:cNvPr id="3" name="TextBox 2">
+            <a:extLst>
+              <a:ext uri="{FF2B5EF4-FFF2-40B4-BE49-F238E27FC236}">
+                <a16:creationId xmlns:a16="http://schemas.microsoft.com/office/drawing/2014/main" id="{975B40C4-7736-4334-A881-52CDE2BE8E0C}"/>
+              </a:ext>
+            </a:extLst>
+          </p:cNvPr>
+          <p:cNvSpPr txBox="1"/>
+          <p:nvPr/>
+        </p:nvSpPr>
+        <p:spPr>
+          <a:xfrm>
+            <a:off x="776288" y="896421"/>
+            <a:ext cx="6105524" cy="738664"/>
+          </a:xfrm>
+          <a:prstGeom prst="rect">
+            <a:avLst/>
+          </a:prstGeom>
+          <a:noFill/>
+        </p:spPr>
+        <p:txBody>
+          <a:bodyPr wrap="square">
+            <a:spAutoFit/>
+          </a:bodyPr>
+          <a:lstStyle/>
+          <a:p>
+            <a:r>
+              <a:rPr lang="en-US" sz="1400" dirty="0">
+                <a:highlight>
+                  <a:srgbClr val="00FF00"/>
+                </a:highlight>
+              </a:rPr>
+              <a:t>Main Reference:</a:t>
+            </a:r>
+          </a:p>
+          <a:p>
+            <a:r>
+              <a:rPr lang="en-US" sz="1400" dirty="0">
+                <a:hlinkClick r:id="rId2"/>
+              </a:rPr>
+              <a:t>https://learn.microsoft.com/en-us/ef/dotnet-data/</a:t>
+            </a:r>
+            <a:endParaRPr lang="en-US" sz="1400" dirty="0"/>
+          </a:p>
+          <a:p>
+            <a:endParaRPr lang="en-US" sz="1400" dirty="0"/>
+          </a:p>
+        </p:txBody>
+      </p:sp>
+      <p:pic>
+        <p:nvPicPr>
+          <p:cNvPr id="5" name="Picture 4">
+            <a:extLst>
+              <a:ext uri="{FF2B5EF4-FFF2-40B4-BE49-F238E27FC236}">
+                <a16:creationId xmlns:a16="http://schemas.microsoft.com/office/drawing/2014/main" id="{CF8C108A-C66E-404C-B675-9BCBBB2FDFDB}"/>
+              </a:ext>
+            </a:extLst>
+          </p:cNvPr>
+          <p:cNvPicPr>
+            <a:picLocks noChangeAspect="1"/>
+          </p:cNvPicPr>
+          <p:nvPr/>
+        </p:nvPicPr>
+        <p:blipFill>
+          <a:blip r:embed="rId3"/>
+          <a:stretch>
+            <a:fillRect/>
+          </a:stretch>
+        </p:blipFill>
+        <p:spPr>
+          <a:xfrm>
+            <a:off x="776288" y="1750710"/>
+            <a:ext cx="8404841" cy="3356580"/>
+          </a:xfrm>
+          <a:prstGeom prst="rect">
+            <a:avLst/>
+          </a:prstGeom>
+        </p:spPr>
+      </p:pic>
+      <p:sp>
+        <p:nvSpPr>
+          <p:cNvPr id="6" name="Slide Number Placeholder 5">
+            <a:extLst>
+              <a:ext uri="{FF2B5EF4-FFF2-40B4-BE49-F238E27FC236}">
+                <a16:creationId xmlns:a16="http://schemas.microsoft.com/office/drawing/2014/main" id="{A19D2B31-410E-45C7-ADE0-A73956403383}"/>
+              </a:ext>
+            </a:extLst>
+          </p:cNvPr>
+          <p:cNvSpPr>
+            <a:spLocks noGrp="1"/>
+          </p:cNvSpPr>
+          <p:nvPr>
+            <p:ph type="sldNum" sz="quarter" idx="12"/>
+          </p:nvPr>
+        </p:nvSpPr>
+        <p:spPr/>
+        <p:txBody>
+          <a:bodyPr/>
+          <a:lstStyle/>
+          <a:p>
+            <a:fld id="{C6E4CA17-79F9-47F8-8D56-9B2653102869}" type="slidenum">
+              <a:rPr lang="en-US" smtClean="0"/>
+              <a:t>2</a:t>
+            </a:fld>
+            <a:endParaRPr lang="en-US"/>
+          </a:p>
+        </p:txBody>
+      </p:sp>
+    </p:spTree>
+    <p:extLst>
+      <p:ext uri="{BB962C8B-B14F-4D97-AF65-F5344CB8AC3E}">
+        <p14:creationId xmlns:p14="http://schemas.microsoft.com/office/powerpoint/2010/main" val="1300439240"/>
+      </p:ext>
+    </p:extLst>
+  </p:cSld>
+  <p:clrMapOvr>
+    <a:masterClrMapping/>
+  </p:clrMapOvr>
+</p:sld>
+</file>
+
+<file path=ppt/slides/slide20.xml><?xml version="1.0" encoding="utf-8"?>
+<p:sld xmlns:a="http://schemas.openxmlformats.org/drawingml/2006/main" xmlns:r="http://schemas.openxmlformats.org/officeDocument/2006/relationships" xmlns:p="http://schemas.openxmlformats.org/presentationml/2006/main">
+  <p:cSld>
+    <p:spTree>
+      <p:nvGrpSpPr>
+        <p:cNvPr id="1" name=""/>
+        <p:cNvGrpSpPr/>
+        <p:nvPr/>
+      </p:nvGrpSpPr>
+      <p:grpSpPr>
+        <a:xfrm>
+          <a:off x="0" y="0"/>
+          <a:ext cx="0" cy="0"/>
+          <a:chOff x="0" y="0"/>
+          <a:chExt cx="0" cy="0"/>
+        </a:xfrm>
+      </p:grpSpPr>
+      <p:sp>
+        <p:nvSpPr>
           <p:cNvPr id="2" name="Slide Number Placeholder 1">
             <a:extLst>
               <a:ext uri="{FF2B5EF4-FFF2-40B4-BE49-F238E27FC236}">
@@ -7978,7 +7918,7 @@
           <a:p>
             <a:fld id="{C6E4CA17-79F9-47F8-8D56-9B2653102869}" type="slidenum">
               <a:rPr lang="en-US" smtClean="0"/>
-              <a:t>21</a:t>
+              <a:t>20</a:t>
             </a:fld>
             <a:endParaRPr lang="en-US"/>
           </a:p>
@@ -8027,6 +7967,65 @@
 </p:sld>
 </file>
 
+<file path=ppt/slides/slide21.xml><?xml version="1.0" encoding="utf-8"?>
+<p:sld xmlns:a="http://schemas.openxmlformats.org/drawingml/2006/main" xmlns:r="http://schemas.openxmlformats.org/officeDocument/2006/relationships" xmlns:p="http://schemas.openxmlformats.org/presentationml/2006/main">
+  <p:cSld>
+    <p:spTree>
+      <p:nvGrpSpPr>
+        <p:cNvPr id="1" name=""/>
+        <p:cNvGrpSpPr/>
+        <p:nvPr/>
+      </p:nvGrpSpPr>
+      <p:grpSpPr>
+        <a:xfrm>
+          <a:off x="0" y="0"/>
+          <a:ext cx="0" cy="0"/>
+          <a:chOff x="0" y="0"/>
+          <a:chExt cx="0" cy="0"/>
+        </a:xfrm>
+      </p:grpSpPr>
+      <p:sp>
+        <p:nvSpPr>
+          <p:cNvPr id="2" name="Slide Number Placeholder 1">
+            <a:extLst>
+              <a:ext uri="{FF2B5EF4-FFF2-40B4-BE49-F238E27FC236}">
+                <a16:creationId xmlns:a16="http://schemas.microsoft.com/office/drawing/2014/main" id="{39050F81-8EE9-4732-8467-A18174672B6E}"/>
+              </a:ext>
+            </a:extLst>
+          </p:cNvPr>
+          <p:cNvSpPr>
+            <a:spLocks noGrp="1"/>
+          </p:cNvSpPr>
+          <p:nvPr>
+            <p:ph type="sldNum" sz="quarter" idx="12"/>
+          </p:nvPr>
+        </p:nvSpPr>
+        <p:spPr/>
+        <p:txBody>
+          <a:bodyPr/>
+          <a:lstStyle/>
+          <a:p>
+            <a:fld id="{C6E4CA17-79F9-47F8-8D56-9B2653102869}" type="slidenum">
+              <a:rPr lang="en-US" smtClean="0"/>
+              <a:t>21</a:t>
+            </a:fld>
+            <a:endParaRPr lang="en-US"/>
+          </a:p>
+        </p:txBody>
+      </p:sp>
+    </p:spTree>
+    <p:extLst>
+      <p:ext uri="{BB962C8B-B14F-4D97-AF65-F5344CB8AC3E}">
+        <p14:creationId xmlns:p14="http://schemas.microsoft.com/office/powerpoint/2010/main" val="3628564108"/>
+      </p:ext>
+    </p:extLst>
+  </p:cSld>
+  <p:clrMapOvr>
+    <a:masterClrMapping/>
+  </p:clrMapOvr>
+</p:sld>
+</file>
+
 <file path=ppt/slides/slide22.xml><?xml version="1.0" encoding="utf-8"?>
 <p:sld xmlns:a="http://schemas.openxmlformats.org/drawingml/2006/main" xmlns:r="http://schemas.openxmlformats.org/officeDocument/2006/relationships" xmlns:p="http://schemas.openxmlformats.org/presentationml/2006/main">
   <p:cSld>
@@ -8076,7 +8075,7 @@
     </p:spTree>
     <p:extLst>
       <p:ext uri="{BB962C8B-B14F-4D97-AF65-F5344CB8AC3E}">
-        <p14:creationId xmlns:p14="http://schemas.microsoft.com/office/powerpoint/2010/main" val="3628564108"/>
+        <p14:creationId xmlns:p14="http://schemas.microsoft.com/office/powerpoint/2010/main" val="2956415977"/>
       </p:ext>
     </p:extLst>
   </p:cSld>
@@ -8127,65 +8126,6 @@
             <a:fld id="{C6E4CA17-79F9-47F8-8D56-9B2653102869}" type="slidenum">
               <a:rPr lang="en-US" smtClean="0"/>
               <a:t>23</a:t>
-            </a:fld>
-            <a:endParaRPr lang="en-US"/>
-          </a:p>
-        </p:txBody>
-      </p:sp>
-    </p:spTree>
-    <p:extLst>
-      <p:ext uri="{BB962C8B-B14F-4D97-AF65-F5344CB8AC3E}">
-        <p14:creationId xmlns:p14="http://schemas.microsoft.com/office/powerpoint/2010/main" val="2956415977"/>
-      </p:ext>
-    </p:extLst>
-  </p:cSld>
-  <p:clrMapOvr>
-    <a:masterClrMapping/>
-  </p:clrMapOvr>
-</p:sld>
-</file>
-
-<file path=ppt/slides/slide24.xml><?xml version="1.0" encoding="utf-8"?>
-<p:sld xmlns:a="http://schemas.openxmlformats.org/drawingml/2006/main" xmlns:r="http://schemas.openxmlformats.org/officeDocument/2006/relationships" xmlns:p="http://schemas.openxmlformats.org/presentationml/2006/main">
-  <p:cSld>
-    <p:spTree>
-      <p:nvGrpSpPr>
-        <p:cNvPr id="1" name=""/>
-        <p:cNvGrpSpPr/>
-        <p:nvPr/>
-      </p:nvGrpSpPr>
-      <p:grpSpPr>
-        <a:xfrm>
-          <a:off x="0" y="0"/>
-          <a:ext cx="0" cy="0"/>
-          <a:chOff x="0" y="0"/>
-          <a:chExt cx="0" cy="0"/>
-        </a:xfrm>
-      </p:grpSpPr>
-      <p:sp>
-        <p:nvSpPr>
-          <p:cNvPr id="2" name="Slide Number Placeholder 1">
-            <a:extLst>
-              <a:ext uri="{FF2B5EF4-FFF2-40B4-BE49-F238E27FC236}">
-                <a16:creationId xmlns:a16="http://schemas.microsoft.com/office/drawing/2014/main" id="{39050F81-8EE9-4732-8467-A18174672B6E}"/>
-              </a:ext>
-            </a:extLst>
-          </p:cNvPr>
-          <p:cNvSpPr>
-            <a:spLocks noGrp="1"/>
-          </p:cNvSpPr>
-          <p:nvPr>
-            <p:ph type="sldNum" sz="quarter" idx="12"/>
-          </p:nvPr>
-        </p:nvSpPr>
-        <p:spPr/>
-        <p:txBody>
-          <a:bodyPr/>
-          <a:lstStyle/>
-          <a:p>
-            <a:fld id="{C6E4CA17-79F9-47F8-8D56-9B2653102869}" type="slidenum">
-              <a:rPr lang="en-US" smtClean="0"/>
-              <a:t>24</a:t>
             </a:fld>
             <a:endParaRPr lang="en-US"/>
           </a:p>

--- a/C#/C#.NET.pptx
+++ b/C#/C#.NET.pptx
@@ -5,10 +5,10 @@
     <p:sldMasterId id="2147483660" r:id="rId1"/>
   </p:sldMasterIdLst>
   <p:notesMasterIdLst>
-    <p:notesMasterId r:id="rId25"/>
+    <p:notesMasterId r:id="rId29"/>
   </p:notesMasterIdLst>
   <p:handoutMasterIdLst>
-    <p:handoutMasterId r:id="rId26"/>
+    <p:handoutMasterId r:id="rId30"/>
   </p:handoutMasterIdLst>
   <p:sldIdLst>
     <p:sldId id="256" r:id="rId2"/>
@@ -31,9 +31,13 @@
     <p:sldId id="283" r:id="rId19"/>
     <p:sldId id="278" r:id="rId20"/>
     <p:sldId id="279" r:id="rId21"/>
-    <p:sldId id="280" r:id="rId22"/>
+    <p:sldId id="284" r:id="rId22"/>
     <p:sldId id="281" r:id="rId23"/>
     <p:sldId id="282" r:id="rId24"/>
+    <p:sldId id="285" r:id="rId25"/>
+    <p:sldId id="286" r:id="rId26"/>
+    <p:sldId id="287" r:id="rId27"/>
+    <p:sldId id="288" r:id="rId28"/>
   </p:sldIdLst>
   <p:sldSz cx="12192000" cy="6858000"/>
   <p:notesSz cx="6858000" cy="9144000"/>
@@ -8013,10 +8017,61 @@
           </a:p>
         </p:txBody>
       </p:sp>
+      <p:sp>
+        <p:nvSpPr>
+          <p:cNvPr id="3" name="TextBox 2">
+            <a:extLst>
+              <a:ext uri="{FF2B5EF4-FFF2-40B4-BE49-F238E27FC236}">
+                <a16:creationId xmlns:a16="http://schemas.microsoft.com/office/drawing/2014/main" id="{E8AD8884-2880-41E1-9F49-DC4211B0264E}"/>
+              </a:ext>
+            </a:extLst>
+          </p:cNvPr>
+          <p:cNvSpPr txBox="1"/>
+          <p:nvPr/>
+        </p:nvSpPr>
+        <p:spPr>
+          <a:xfrm>
+            <a:off x="3076575" y="2154674"/>
+            <a:ext cx="5295900" cy="1723549"/>
+          </a:xfrm>
+          <a:prstGeom prst="rect">
+            <a:avLst/>
+          </a:prstGeom>
+          <a:noFill/>
+        </p:spPr>
+        <p:txBody>
+          <a:bodyPr wrap="square" rtlCol="0">
+            <a:spAutoFit/>
+          </a:bodyPr>
+          <a:lstStyle/>
+          <a:p>
+            <a:pPr algn="ctr"/>
+            <a:r>
+              <a:rPr lang="en-US" sz="6600" dirty="0">
+                <a:solidFill>
+                  <a:srgbClr val="00B050"/>
+                </a:solidFill>
+              </a:rPr>
+              <a:t>Example 4</a:t>
+            </a:r>
+          </a:p>
+          <a:p>
+            <a:pPr algn="ctr"/>
+            <a:r>
+              <a:rPr lang="en-US" sz="4000" dirty="0">
+                <a:solidFill>
+                  <a:srgbClr val="0070C0"/>
+                </a:solidFill>
+              </a:rPr>
+              <a:t>Enumeration</a:t>
+            </a:r>
+          </a:p>
+        </p:txBody>
+      </p:sp>
     </p:spTree>
     <p:extLst>
       <p:ext uri="{BB962C8B-B14F-4D97-AF65-F5344CB8AC3E}">
-        <p14:creationId xmlns:p14="http://schemas.microsoft.com/office/powerpoint/2010/main" val="3628564108"/>
+        <p14:creationId xmlns:p14="http://schemas.microsoft.com/office/powerpoint/2010/main" val="964164146"/>
       </p:ext>
     </p:extLst>
   </p:cSld>
@@ -8072,6 +8127,71 @@
           </a:p>
         </p:txBody>
       </p:sp>
+      <p:sp>
+        <p:nvSpPr>
+          <p:cNvPr id="7" name="TextBox 6">
+            <a:extLst>
+              <a:ext uri="{FF2B5EF4-FFF2-40B4-BE49-F238E27FC236}">
+                <a16:creationId xmlns:a16="http://schemas.microsoft.com/office/drawing/2014/main" id="{92D184B6-71C6-48CD-ADA2-A48E6D4F42EE}"/>
+              </a:ext>
+            </a:extLst>
+          </p:cNvPr>
+          <p:cNvSpPr txBox="1"/>
+          <p:nvPr/>
+        </p:nvSpPr>
+        <p:spPr>
+          <a:xfrm>
+            <a:off x="909638" y="813463"/>
+            <a:ext cx="10615612" cy="369332"/>
+          </a:xfrm>
+          <a:prstGeom prst="rect">
+            <a:avLst/>
+          </a:prstGeom>
+          <a:noFill/>
+        </p:spPr>
+        <p:txBody>
+          <a:bodyPr wrap="square">
+            <a:spAutoFit/>
+          </a:bodyPr>
+          <a:lstStyle/>
+          <a:p>
+            <a:r>
+              <a:rPr lang="en-US" dirty="0"/>
+              <a:t>An enum is a special "class" that represents a group of constants (unchangeable/read-only variables).</a:t>
+            </a:r>
+          </a:p>
+        </p:txBody>
+      </p:sp>
+      <p:pic>
+        <p:nvPicPr>
+          <p:cNvPr id="9" name="Picture 8">
+            <a:extLst>
+              <a:ext uri="{FF2B5EF4-FFF2-40B4-BE49-F238E27FC236}">
+                <a16:creationId xmlns:a16="http://schemas.microsoft.com/office/drawing/2014/main" id="{D89513A6-3108-4505-B3D6-9461A43D6FEF}"/>
+              </a:ext>
+            </a:extLst>
+          </p:cNvPr>
+          <p:cNvPicPr>
+            <a:picLocks noChangeAspect="1"/>
+          </p:cNvPicPr>
+          <p:nvPr/>
+        </p:nvPicPr>
+        <p:blipFill>
+          <a:blip r:embed="rId2"/>
+          <a:stretch>
+            <a:fillRect/>
+          </a:stretch>
+        </p:blipFill>
+        <p:spPr>
+          <a:xfrm>
+            <a:off x="909638" y="1194288"/>
+            <a:ext cx="4747671" cy="5029636"/>
+          </a:xfrm>
+          <a:prstGeom prst="rect">
+            <a:avLst/>
+          </a:prstGeom>
+        </p:spPr>
+      </p:pic>
     </p:spTree>
     <p:extLst>
       <p:ext uri="{BB962C8B-B14F-4D97-AF65-F5344CB8AC3E}">
@@ -8135,6 +8255,242 @@
     <p:extLst>
       <p:ext uri="{BB962C8B-B14F-4D97-AF65-F5344CB8AC3E}">
         <p14:creationId xmlns:p14="http://schemas.microsoft.com/office/powerpoint/2010/main" val="1552671710"/>
+      </p:ext>
+    </p:extLst>
+  </p:cSld>
+  <p:clrMapOvr>
+    <a:masterClrMapping/>
+  </p:clrMapOvr>
+</p:sld>
+</file>
+
+<file path=ppt/slides/slide24.xml><?xml version="1.0" encoding="utf-8"?>
+<p:sld xmlns:a="http://schemas.openxmlformats.org/drawingml/2006/main" xmlns:r="http://schemas.openxmlformats.org/officeDocument/2006/relationships" xmlns:p="http://schemas.openxmlformats.org/presentationml/2006/main">
+  <p:cSld>
+    <p:spTree>
+      <p:nvGrpSpPr>
+        <p:cNvPr id="1" name=""/>
+        <p:cNvGrpSpPr/>
+        <p:nvPr/>
+      </p:nvGrpSpPr>
+      <p:grpSpPr>
+        <a:xfrm>
+          <a:off x="0" y="0"/>
+          <a:ext cx="0" cy="0"/>
+          <a:chOff x="0" y="0"/>
+          <a:chExt cx="0" cy="0"/>
+        </a:xfrm>
+      </p:grpSpPr>
+      <p:sp>
+        <p:nvSpPr>
+          <p:cNvPr id="2" name="Slide Number Placeholder 1">
+            <a:extLst>
+              <a:ext uri="{FF2B5EF4-FFF2-40B4-BE49-F238E27FC236}">
+                <a16:creationId xmlns:a16="http://schemas.microsoft.com/office/drawing/2014/main" id="{39050F81-8EE9-4732-8467-A18174672B6E}"/>
+              </a:ext>
+            </a:extLst>
+          </p:cNvPr>
+          <p:cNvSpPr>
+            <a:spLocks noGrp="1"/>
+          </p:cNvSpPr>
+          <p:nvPr>
+            <p:ph type="sldNum" sz="quarter" idx="12"/>
+          </p:nvPr>
+        </p:nvSpPr>
+        <p:spPr/>
+        <p:txBody>
+          <a:bodyPr/>
+          <a:lstStyle/>
+          <a:p>
+            <a:fld id="{C6E4CA17-79F9-47F8-8D56-9B2653102869}" type="slidenum">
+              <a:rPr lang="en-US" smtClean="0"/>
+              <a:t>24</a:t>
+            </a:fld>
+            <a:endParaRPr lang="en-US"/>
+          </a:p>
+        </p:txBody>
+      </p:sp>
+    </p:spTree>
+    <p:extLst>
+      <p:ext uri="{BB962C8B-B14F-4D97-AF65-F5344CB8AC3E}">
+        <p14:creationId xmlns:p14="http://schemas.microsoft.com/office/powerpoint/2010/main" val="3773723348"/>
+      </p:ext>
+    </p:extLst>
+  </p:cSld>
+  <p:clrMapOvr>
+    <a:masterClrMapping/>
+  </p:clrMapOvr>
+</p:sld>
+</file>
+
+<file path=ppt/slides/slide25.xml><?xml version="1.0" encoding="utf-8"?>
+<p:sld xmlns:a="http://schemas.openxmlformats.org/drawingml/2006/main" xmlns:r="http://schemas.openxmlformats.org/officeDocument/2006/relationships" xmlns:p="http://schemas.openxmlformats.org/presentationml/2006/main">
+  <p:cSld>
+    <p:spTree>
+      <p:nvGrpSpPr>
+        <p:cNvPr id="1" name=""/>
+        <p:cNvGrpSpPr/>
+        <p:nvPr/>
+      </p:nvGrpSpPr>
+      <p:grpSpPr>
+        <a:xfrm>
+          <a:off x="0" y="0"/>
+          <a:ext cx="0" cy="0"/>
+          <a:chOff x="0" y="0"/>
+          <a:chExt cx="0" cy="0"/>
+        </a:xfrm>
+      </p:grpSpPr>
+      <p:sp>
+        <p:nvSpPr>
+          <p:cNvPr id="2" name="Slide Number Placeholder 1">
+            <a:extLst>
+              <a:ext uri="{FF2B5EF4-FFF2-40B4-BE49-F238E27FC236}">
+                <a16:creationId xmlns:a16="http://schemas.microsoft.com/office/drawing/2014/main" id="{39050F81-8EE9-4732-8467-A18174672B6E}"/>
+              </a:ext>
+            </a:extLst>
+          </p:cNvPr>
+          <p:cNvSpPr>
+            <a:spLocks noGrp="1"/>
+          </p:cNvSpPr>
+          <p:nvPr>
+            <p:ph type="sldNum" sz="quarter" idx="12"/>
+          </p:nvPr>
+        </p:nvSpPr>
+        <p:spPr/>
+        <p:txBody>
+          <a:bodyPr/>
+          <a:lstStyle/>
+          <a:p>
+            <a:fld id="{C6E4CA17-79F9-47F8-8D56-9B2653102869}" type="slidenum">
+              <a:rPr lang="en-US" smtClean="0"/>
+              <a:t>25</a:t>
+            </a:fld>
+            <a:endParaRPr lang="en-US"/>
+          </a:p>
+        </p:txBody>
+      </p:sp>
+    </p:spTree>
+    <p:extLst>
+      <p:ext uri="{BB962C8B-B14F-4D97-AF65-F5344CB8AC3E}">
+        <p14:creationId xmlns:p14="http://schemas.microsoft.com/office/powerpoint/2010/main" val="3523673814"/>
+      </p:ext>
+    </p:extLst>
+  </p:cSld>
+  <p:clrMapOvr>
+    <a:masterClrMapping/>
+  </p:clrMapOvr>
+</p:sld>
+</file>
+
+<file path=ppt/slides/slide26.xml><?xml version="1.0" encoding="utf-8"?>
+<p:sld xmlns:a="http://schemas.openxmlformats.org/drawingml/2006/main" xmlns:r="http://schemas.openxmlformats.org/officeDocument/2006/relationships" xmlns:p="http://schemas.openxmlformats.org/presentationml/2006/main">
+  <p:cSld>
+    <p:spTree>
+      <p:nvGrpSpPr>
+        <p:cNvPr id="1" name=""/>
+        <p:cNvGrpSpPr/>
+        <p:nvPr/>
+      </p:nvGrpSpPr>
+      <p:grpSpPr>
+        <a:xfrm>
+          <a:off x="0" y="0"/>
+          <a:ext cx="0" cy="0"/>
+          <a:chOff x="0" y="0"/>
+          <a:chExt cx="0" cy="0"/>
+        </a:xfrm>
+      </p:grpSpPr>
+      <p:sp>
+        <p:nvSpPr>
+          <p:cNvPr id="2" name="Slide Number Placeholder 1">
+            <a:extLst>
+              <a:ext uri="{FF2B5EF4-FFF2-40B4-BE49-F238E27FC236}">
+                <a16:creationId xmlns:a16="http://schemas.microsoft.com/office/drawing/2014/main" id="{39050F81-8EE9-4732-8467-A18174672B6E}"/>
+              </a:ext>
+            </a:extLst>
+          </p:cNvPr>
+          <p:cNvSpPr>
+            <a:spLocks noGrp="1"/>
+          </p:cNvSpPr>
+          <p:nvPr>
+            <p:ph type="sldNum" sz="quarter" idx="12"/>
+          </p:nvPr>
+        </p:nvSpPr>
+        <p:spPr/>
+        <p:txBody>
+          <a:bodyPr/>
+          <a:lstStyle/>
+          <a:p>
+            <a:fld id="{C6E4CA17-79F9-47F8-8D56-9B2653102869}" type="slidenum">
+              <a:rPr lang="en-US" smtClean="0"/>
+              <a:t>26</a:t>
+            </a:fld>
+            <a:endParaRPr lang="en-US"/>
+          </a:p>
+        </p:txBody>
+      </p:sp>
+    </p:spTree>
+    <p:extLst>
+      <p:ext uri="{BB962C8B-B14F-4D97-AF65-F5344CB8AC3E}">
+        <p14:creationId xmlns:p14="http://schemas.microsoft.com/office/powerpoint/2010/main" val="3442383033"/>
+      </p:ext>
+    </p:extLst>
+  </p:cSld>
+  <p:clrMapOvr>
+    <a:masterClrMapping/>
+  </p:clrMapOvr>
+</p:sld>
+</file>
+
+<file path=ppt/slides/slide27.xml><?xml version="1.0" encoding="utf-8"?>
+<p:sld xmlns:a="http://schemas.openxmlformats.org/drawingml/2006/main" xmlns:r="http://schemas.openxmlformats.org/officeDocument/2006/relationships" xmlns:p="http://schemas.openxmlformats.org/presentationml/2006/main">
+  <p:cSld>
+    <p:spTree>
+      <p:nvGrpSpPr>
+        <p:cNvPr id="1" name=""/>
+        <p:cNvGrpSpPr/>
+        <p:nvPr/>
+      </p:nvGrpSpPr>
+      <p:grpSpPr>
+        <a:xfrm>
+          <a:off x="0" y="0"/>
+          <a:ext cx="0" cy="0"/>
+          <a:chOff x="0" y="0"/>
+          <a:chExt cx="0" cy="0"/>
+        </a:xfrm>
+      </p:grpSpPr>
+      <p:sp>
+        <p:nvSpPr>
+          <p:cNvPr id="2" name="Slide Number Placeholder 1">
+            <a:extLst>
+              <a:ext uri="{FF2B5EF4-FFF2-40B4-BE49-F238E27FC236}">
+                <a16:creationId xmlns:a16="http://schemas.microsoft.com/office/drawing/2014/main" id="{39050F81-8EE9-4732-8467-A18174672B6E}"/>
+              </a:ext>
+            </a:extLst>
+          </p:cNvPr>
+          <p:cNvSpPr>
+            <a:spLocks noGrp="1"/>
+          </p:cNvSpPr>
+          <p:nvPr>
+            <p:ph type="sldNum" sz="quarter" idx="12"/>
+          </p:nvPr>
+        </p:nvSpPr>
+        <p:spPr/>
+        <p:txBody>
+          <a:bodyPr/>
+          <a:lstStyle/>
+          <a:p>
+            <a:fld id="{C6E4CA17-79F9-47F8-8D56-9B2653102869}" type="slidenum">
+              <a:rPr lang="en-US" smtClean="0"/>
+              <a:t>27</a:t>
+            </a:fld>
+            <a:endParaRPr lang="en-US"/>
+          </a:p>
+        </p:txBody>
+      </p:sp>
+    </p:spTree>
+    <p:extLst>
+      <p:ext uri="{BB962C8B-B14F-4D97-AF65-F5344CB8AC3E}">
+        <p14:creationId xmlns:p14="http://schemas.microsoft.com/office/powerpoint/2010/main" val="633132867"/>
       </p:ext>
     </p:extLst>
   </p:cSld>
